--- a/Präsentation/Projekt_Präsentation.pptx
+++ b/Präsentation/Projekt_Präsentation.pptx
@@ -4,6 +4,9 @@
   <p:sldMasterIdLst>
     <p:sldMasterId id="2147483720" r:id="rId1"/>
   </p:sldMasterIdLst>
+  <p:notesMasterIdLst>
+    <p:notesMasterId r:id="rId21"/>
+  </p:notesMasterIdLst>
   <p:sldIdLst>
     <p:sldId id="257" r:id="rId2"/>
     <p:sldId id="258" r:id="rId3"/>
@@ -12,17 +15,18 @@
     <p:sldId id="262" r:id="rId6"/>
     <p:sldId id="263" r:id="rId7"/>
     <p:sldId id="273" r:id="rId8"/>
-    <p:sldId id="264" r:id="rId9"/>
-    <p:sldId id="274" r:id="rId10"/>
-    <p:sldId id="275" r:id="rId11"/>
-    <p:sldId id="265" r:id="rId12"/>
-    <p:sldId id="266" r:id="rId13"/>
-    <p:sldId id="269" r:id="rId14"/>
-    <p:sldId id="267" r:id="rId15"/>
-    <p:sldId id="270" r:id="rId16"/>
-    <p:sldId id="271" r:id="rId17"/>
-    <p:sldId id="272" r:id="rId18"/>
-    <p:sldId id="276" r:id="rId19"/>
+    <p:sldId id="277" r:id="rId9"/>
+    <p:sldId id="264" r:id="rId10"/>
+    <p:sldId id="274" r:id="rId11"/>
+    <p:sldId id="275" r:id="rId12"/>
+    <p:sldId id="265" r:id="rId13"/>
+    <p:sldId id="266" r:id="rId14"/>
+    <p:sldId id="269" r:id="rId15"/>
+    <p:sldId id="267" r:id="rId16"/>
+    <p:sldId id="270" r:id="rId17"/>
+    <p:sldId id="271" r:id="rId18"/>
+    <p:sldId id="272" r:id="rId19"/>
+    <p:sldId id="276" r:id="rId20"/>
   </p:sldIdLst>
   <p:sldSz cx="9144000" cy="6858000" type="screen4x3"/>
   <p:notesSz cx="6858000" cy="9144000"/>
@@ -214,11 +218,11 @@
           <c:showPercent val="0"/>
           <c:showBubbleSize val="0"/>
         </c:dLbls>
-        <c:axId val="142089600"/>
-        <c:axId val="142124928"/>
+        <c:axId val="116237056"/>
+        <c:axId val="163089792"/>
       </c:scatterChart>
       <c:valAx>
-        <c:axId val="142089600"/>
+        <c:axId val="116237056"/>
         <c:scaling>
           <c:orientation val="minMax"/>
         </c:scaling>
@@ -249,12 +253,12 @@
         <c:majorTickMark val="out"/>
         <c:minorTickMark val="none"/>
         <c:tickLblPos val="nextTo"/>
-        <c:crossAx val="142124928"/>
+        <c:crossAx val="163089792"/>
         <c:crosses val="autoZero"/>
         <c:crossBetween val="midCat"/>
       </c:valAx>
       <c:valAx>
-        <c:axId val="142124928"/>
+        <c:axId val="163089792"/>
         <c:scaling>
           <c:orientation val="minMax"/>
         </c:scaling>
@@ -285,7 +289,7 @@
         <c:majorTickMark val="out"/>
         <c:minorTickMark val="none"/>
         <c:tickLblPos val="nextTo"/>
-        <c:crossAx val="142089600"/>
+        <c:crossAx val="116237056"/>
         <c:crosses val="autoZero"/>
         <c:crossBetween val="midCat"/>
       </c:valAx>
@@ -303,6 +307,524 @@
     <c:autoUpdate val="0"/>
   </c:externalData>
 </c:chartSpace>
+</file>
+
+<file path=ppt/notesMasters/notesMaster1.xml><?xml version="1.0" encoding="utf-8"?>
+<p:notesMaster xmlns:a="http://schemas.openxmlformats.org/drawingml/2006/main" xmlns:r="http://schemas.openxmlformats.org/officeDocument/2006/relationships" xmlns:p="http://schemas.openxmlformats.org/presentationml/2006/main">
+  <p:cSld>
+    <p:bg>
+      <p:bgRef idx="1001">
+        <a:schemeClr val="bg1"/>
+      </p:bgRef>
+    </p:bg>
+    <p:spTree>
+      <p:nvGrpSpPr>
+        <p:cNvPr id="1" name=""/>
+        <p:cNvGrpSpPr/>
+        <p:nvPr/>
+      </p:nvGrpSpPr>
+      <p:grpSpPr>
+        <a:xfrm>
+          <a:off x="0" y="0"/>
+          <a:ext cx="0" cy="0"/>
+          <a:chOff x="0" y="0"/>
+          <a:chExt cx="0" cy="0"/>
+        </a:xfrm>
+      </p:grpSpPr>
+      <p:sp>
+        <p:nvSpPr>
+          <p:cNvPr id="2" name="Kopfzeilenplatzhalter 1"/>
+          <p:cNvSpPr>
+            <a:spLocks noGrp="1"/>
+          </p:cNvSpPr>
+          <p:nvPr>
+            <p:ph type="hdr" sz="quarter"/>
+          </p:nvPr>
+        </p:nvSpPr>
+        <p:spPr>
+          <a:xfrm>
+            <a:off x="0" y="0"/>
+            <a:ext cx="2971800" cy="457200"/>
+          </a:xfrm>
+          <a:prstGeom prst="rect">
+            <a:avLst/>
+          </a:prstGeom>
+        </p:spPr>
+        <p:txBody>
+          <a:bodyPr vert="horz" lIns="91440" tIns="45720" rIns="91440" bIns="45720" rtlCol="0"/>
+          <a:lstStyle>
+            <a:lvl1pPr algn="l">
+              <a:defRPr sz="1200"/>
+            </a:lvl1pPr>
+          </a:lstStyle>
+          <a:p>
+            <a:endParaRPr lang="de-DE"/>
+          </a:p>
+        </p:txBody>
+      </p:sp>
+      <p:sp>
+        <p:nvSpPr>
+          <p:cNvPr id="3" name="Datumsplatzhalter 2"/>
+          <p:cNvSpPr>
+            <a:spLocks noGrp="1"/>
+          </p:cNvSpPr>
+          <p:nvPr>
+            <p:ph type="dt" idx="1"/>
+          </p:nvPr>
+        </p:nvSpPr>
+        <p:spPr>
+          <a:xfrm>
+            <a:off x="3884613" y="0"/>
+            <a:ext cx="2971800" cy="457200"/>
+          </a:xfrm>
+          <a:prstGeom prst="rect">
+            <a:avLst/>
+          </a:prstGeom>
+        </p:spPr>
+        <p:txBody>
+          <a:bodyPr vert="horz" lIns="91440" tIns="45720" rIns="91440" bIns="45720" rtlCol="0"/>
+          <a:lstStyle>
+            <a:lvl1pPr algn="r">
+              <a:defRPr sz="1200"/>
+            </a:lvl1pPr>
+          </a:lstStyle>
+          <a:p>
+            <a:fld id="{7455737A-E32F-49B9-9902-CAFFEC5758CD}" type="datetimeFigureOut">
+              <a:rPr lang="de-DE" smtClean="0"/>
+              <a:t>18.06.2013</a:t>
+            </a:fld>
+            <a:endParaRPr lang="de-DE"/>
+          </a:p>
+        </p:txBody>
+      </p:sp>
+      <p:sp>
+        <p:nvSpPr>
+          <p:cNvPr id="4" name="Folienbildplatzhalter 3"/>
+          <p:cNvSpPr>
+            <a:spLocks noGrp="1" noRot="1" noChangeAspect="1"/>
+          </p:cNvSpPr>
+          <p:nvPr>
+            <p:ph type="sldImg" idx="2"/>
+          </p:nvPr>
+        </p:nvSpPr>
+        <p:spPr>
+          <a:xfrm>
+            <a:off x="1143000" y="685800"/>
+            <a:ext cx="4572000" cy="3429000"/>
+          </a:xfrm>
+          <a:prstGeom prst="rect">
+            <a:avLst/>
+          </a:prstGeom>
+          <a:noFill/>
+          <a:ln w="12700">
+            <a:solidFill>
+              <a:prstClr val="black"/>
+            </a:solidFill>
+          </a:ln>
+        </p:spPr>
+        <p:txBody>
+          <a:bodyPr vert="horz" lIns="91440" tIns="45720" rIns="91440" bIns="45720" rtlCol="0" anchor="ctr"/>
+          <a:lstStyle/>
+          <a:p>
+            <a:endParaRPr lang="de-DE"/>
+          </a:p>
+        </p:txBody>
+      </p:sp>
+      <p:sp>
+        <p:nvSpPr>
+          <p:cNvPr id="5" name="Notizenplatzhalter 4"/>
+          <p:cNvSpPr>
+            <a:spLocks noGrp="1"/>
+          </p:cNvSpPr>
+          <p:nvPr>
+            <p:ph type="body" sz="quarter" idx="3"/>
+          </p:nvPr>
+        </p:nvSpPr>
+        <p:spPr>
+          <a:xfrm>
+            <a:off x="685800" y="4343400"/>
+            <a:ext cx="5486400" cy="4114800"/>
+          </a:xfrm>
+          <a:prstGeom prst="rect">
+            <a:avLst/>
+          </a:prstGeom>
+        </p:spPr>
+        <p:txBody>
+          <a:bodyPr vert="horz" lIns="91440" tIns="45720" rIns="91440" bIns="45720" rtlCol="0"/>
+          <a:lstStyle/>
+          <a:p>
+            <a:pPr lvl="0"/>
+            <a:r>
+              <a:rPr lang="de-DE" smtClean="0"/>
+              <a:t>Textmasterformat bearbeiten</a:t>
+            </a:r>
+          </a:p>
+          <a:p>
+            <a:pPr lvl="1"/>
+            <a:r>
+              <a:rPr lang="de-DE" smtClean="0"/>
+              <a:t>Zweite Ebene</a:t>
+            </a:r>
+          </a:p>
+          <a:p>
+            <a:pPr lvl="2"/>
+            <a:r>
+              <a:rPr lang="de-DE" smtClean="0"/>
+              <a:t>Dritte Ebene</a:t>
+            </a:r>
+          </a:p>
+          <a:p>
+            <a:pPr lvl="3"/>
+            <a:r>
+              <a:rPr lang="de-DE" smtClean="0"/>
+              <a:t>Vierte Ebene</a:t>
+            </a:r>
+          </a:p>
+          <a:p>
+            <a:pPr lvl="4"/>
+            <a:r>
+              <a:rPr lang="de-DE" smtClean="0"/>
+              <a:t>Fünfte Ebene</a:t>
+            </a:r>
+            <a:endParaRPr lang="de-DE"/>
+          </a:p>
+        </p:txBody>
+      </p:sp>
+      <p:sp>
+        <p:nvSpPr>
+          <p:cNvPr id="6" name="Fußzeilenplatzhalter 5"/>
+          <p:cNvSpPr>
+            <a:spLocks noGrp="1"/>
+          </p:cNvSpPr>
+          <p:nvPr>
+            <p:ph type="ftr" sz="quarter" idx="4"/>
+          </p:nvPr>
+        </p:nvSpPr>
+        <p:spPr>
+          <a:xfrm>
+            <a:off x="0" y="8685213"/>
+            <a:ext cx="2971800" cy="457200"/>
+          </a:xfrm>
+          <a:prstGeom prst="rect">
+            <a:avLst/>
+          </a:prstGeom>
+        </p:spPr>
+        <p:txBody>
+          <a:bodyPr vert="horz" lIns="91440" tIns="45720" rIns="91440" bIns="45720" rtlCol="0" anchor="b"/>
+          <a:lstStyle>
+            <a:lvl1pPr algn="l">
+              <a:defRPr sz="1200"/>
+            </a:lvl1pPr>
+          </a:lstStyle>
+          <a:p>
+            <a:endParaRPr lang="de-DE"/>
+          </a:p>
+        </p:txBody>
+      </p:sp>
+      <p:sp>
+        <p:nvSpPr>
+          <p:cNvPr id="7" name="Foliennummernplatzhalter 6"/>
+          <p:cNvSpPr>
+            <a:spLocks noGrp="1"/>
+          </p:cNvSpPr>
+          <p:nvPr>
+            <p:ph type="sldNum" sz="quarter" idx="5"/>
+          </p:nvPr>
+        </p:nvSpPr>
+        <p:spPr>
+          <a:xfrm>
+            <a:off x="3884613" y="8685213"/>
+            <a:ext cx="2971800" cy="457200"/>
+          </a:xfrm>
+          <a:prstGeom prst="rect">
+            <a:avLst/>
+          </a:prstGeom>
+        </p:spPr>
+        <p:txBody>
+          <a:bodyPr vert="horz" lIns="91440" tIns="45720" rIns="91440" bIns="45720" rtlCol="0" anchor="b"/>
+          <a:lstStyle>
+            <a:lvl1pPr algn="r">
+              <a:defRPr sz="1200"/>
+            </a:lvl1pPr>
+          </a:lstStyle>
+          <a:p>
+            <a:fld id="{AF743280-84BF-40D8-9479-FD67F7021383}" type="slidenum">
+              <a:rPr lang="de-DE" smtClean="0"/>
+              <a:t>‹Nr.›</a:t>
+            </a:fld>
+            <a:endParaRPr lang="de-DE"/>
+          </a:p>
+        </p:txBody>
+      </p:sp>
+    </p:spTree>
+    <p:extLst>
+      <p:ext uri="{BB962C8B-B14F-4D97-AF65-F5344CB8AC3E}">
+        <p14:creationId xmlns:p14="http://schemas.microsoft.com/office/powerpoint/2010/main" val="705902663"/>
+      </p:ext>
+    </p:extLst>
+  </p:cSld>
+  <p:clrMap bg1="lt1" tx1="dk1" bg2="lt2" tx2="dk2" accent1="accent1" accent2="accent2" accent3="accent3" accent4="accent4" accent5="accent5" accent6="accent6" hlink="hlink" folHlink="folHlink"/>
+  <p:notesStyle>
+    <a:lvl1pPr marL="0" algn="l" defTabSz="914400" rtl="0" eaLnBrk="1" latinLnBrk="0" hangingPunct="1">
+      <a:defRPr sz="1200" kern="1200">
+        <a:solidFill>
+          <a:schemeClr val="tx1"/>
+        </a:solidFill>
+        <a:latin typeface="+mn-lt"/>
+        <a:ea typeface="+mn-ea"/>
+        <a:cs typeface="+mn-cs"/>
+      </a:defRPr>
+    </a:lvl1pPr>
+    <a:lvl2pPr marL="457200" algn="l" defTabSz="914400" rtl="0" eaLnBrk="1" latinLnBrk="0" hangingPunct="1">
+      <a:defRPr sz="1200" kern="1200">
+        <a:solidFill>
+          <a:schemeClr val="tx1"/>
+        </a:solidFill>
+        <a:latin typeface="+mn-lt"/>
+        <a:ea typeface="+mn-ea"/>
+        <a:cs typeface="+mn-cs"/>
+      </a:defRPr>
+    </a:lvl2pPr>
+    <a:lvl3pPr marL="914400" algn="l" defTabSz="914400" rtl="0" eaLnBrk="1" latinLnBrk="0" hangingPunct="1">
+      <a:defRPr sz="1200" kern="1200">
+        <a:solidFill>
+          <a:schemeClr val="tx1"/>
+        </a:solidFill>
+        <a:latin typeface="+mn-lt"/>
+        <a:ea typeface="+mn-ea"/>
+        <a:cs typeface="+mn-cs"/>
+      </a:defRPr>
+    </a:lvl3pPr>
+    <a:lvl4pPr marL="1371600" algn="l" defTabSz="914400" rtl="0" eaLnBrk="1" latinLnBrk="0" hangingPunct="1">
+      <a:defRPr sz="1200" kern="1200">
+        <a:solidFill>
+          <a:schemeClr val="tx1"/>
+        </a:solidFill>
+        <a:latin typeface="+mn-lt"/>
+        <a:ea typeface="+mn-ea"/>
+        <a:cs typeface="+mn-cs"/>
+      </a:defRPr>
+    </a:lvl4pPr>
+    <a:lvl5pPr marL="1828800" algn="l" defTabSz="914400" rtl="0" eaLnBrk="1" latinLnBrk="0" hangingPunct="1">
+      <a:defRPr sz="1200" kern="1200">
+        <a:solidFill>
+          <a:schemeClr val="tx1"/>
+        </a:solidFill>
+        <a:latin typeface="+mn-lt"/>
+        <a:ea typeface="+mn-ea"/>
+        <a:cs typeface="+mn-cs"/>
+      </a:defRPr>
+    </a:lvl5pPr>
+    <a:lvl6pPr marL="2286000" algn="l" defTabSz="914400" rtl="0" eaLnBrk="1" latinLnBrk="0" hangingPunct="1">
+      <a:defRPr sz="1200" kern="1200">
+        <a:solidFill>
+          <a:schemeClr val="tx1"/>
+        </a:solidFill>
+        <a:latin typeface="+mn-lt"/>
+        <a:ea typeface="+mn-ea"/>
+        <a:cs typeface="+mn-cs"/>
+      </a:defRPr>
+    </a:lvl6pPr>
+    <a:lvl7pPr marL="2743200" algn="l" defTabSz="914400" rtl="0" eaLnBrk="1" latinLnBrk="0" hangingPunct="1">
+      <a:defRPr sz="1200" kern="1200">
+        <a:solidFill>
+          <a:schemeClr val="tx1"/>
+        </a:solidFill>
+        <a:latin typeface="+mn-lt"/>
+        <a:ea typeface="+mn-ea"/>
+        <a:cs typeface="+mn-cs"/>
+      </a:defRPr>
+    </a:lvl7pPr>
+    <a:lvl8pPr marL="3200400" algn="l" defTabSz="914400" rtl="0" eaLnBrk="1" latinLnBrk="0" hangingPunct="1">
+      <a:defRPr sz="1200" kern="1200">
+        <a:solidFill>
+          <a:schemeClr val="tx1"/>
+        </a:solidFill>
+        <a:latin typeface="+mn-lt"/>
+        <a:ea typeface="+mn-ea"/>
+        <a:cs typeface="+mn-cs"/>
+      </a:defRPr>
+    </a:lvl8pPr>
+    <a:lvl9pPr marL="3657600" algn="l" defTabSz="914400" rtl="0" eaLnBrk="1" latinLnBrk="0" hangingPunct="1">
+      <a:defRPr sz="1200" kern="1200">
+        <a:solidFill>
+          <a:schemeClr val="tx1"/>
+        </a:solidFill>
+        <a:latin typeface="+mn-lt"/>
+        <a:ea typeface="+mn-ea"/>
+        <a:cs typeface="+mn-cs"/>
+      </a:defRPr>
+    </a:lvl9pPr>
+  </p:notesStyle>
+</p:notesMaster>
+</file>
+
+<file path=ppt/notesSlides/notesSlide1.xml><?xml version="1.0" encoding="utf-8"?>
+<p:notes xmlns:a="http://schemas.openxmlformats.org/drawingml/2006/main" xmlns:r="http://schemas.openxmlformats.org/officeDocument/2006/relationships" xmlns:p="http://schemas.openxmlformats.org/presentationml/2006/main">
+  <p:cSld>
+    <p:spTree>
+      <p:nvGrpSpPr>
+        <p:cNvPr id="1" name=""/>
+        <p:cNvGrpSpPr/>
+        <p:nvPr/>
+      </p:nvGrpSpPr>
+      <p:grpSpPr>
+        <a:xfrm>
+          <a:off x="0" y="0"/>
+          <a:ext cx="0" cy="0"/>
+          <a:chOff x="0" y="0"/>
+          <a:chExt cx="0" cy="0"/>
+        </a:xfrm>
+      </p:grpSpPr>
+      <p:sp>
+        <p:nvSpPr>
+          <p:cNvPr id="2" name="Folienbildplatzhalter 1"/>
+          <p:cNvSpPr>
+            <a:spLocks noGrp="1" noRot="1" noChangeAspect="1"/>
+          </p:cNvSpPr>
+          <p:nvPr>
+            <p:ph type="sldImg"/>
+          </p:nvPr>
+        </p:nvSpPr>
+        <p:spPr/>
+      </p:sp>
+      <p:sp>
+        <p:nvSpPr>
+          <p:cNvPr id="3" name="Notizenplatzhalter 2"/>
+          <p:cNvSpPr>
+            <a:spLocks noGrp="1"/>
+          </p:cNvSpPr>
+          <p:nvPr>
+            <p:ph type="body" idx="1"/>
+          </p:nvPr>
+        </p:nvSpPr>
+        <p:spPr/>
+        <p:txBody>
+          <a:bodyPr/>
+          <a:lstStyle/>
+          <a:p>
+            <a:endParaRPr lang="de-DE" dirty="0"/>
+          </a:p>
+        </p:txBody>
+      </p:sp>
+      <p:sp>
+        <p:nvSpPr>
+          <p:cNvPr id="4" name="Foliennummernplatzhalter 3"/>
+          <p:cNvSpPr>
+            <a:spLocks noGrp="1"/>
+          </p:cNvSpPr>
+          <p:nvPr>
+            <p:ph type="sldNum" sz="quarter" idx="10"/>
+          </p:nvPr>
+        </p:nvSpPr>
+        <p:spPr/>
+        <p:txBody>
+          <a:bodyPr/>
+          <a:lstStyle/>
+          <a:p>
+            <a:fld id="{AF743280-84BF-40D8-9479-FD67F7021383}" type="slidenum">
+              <a:rPr lang="de-DE" smtClean="0"/>
+              <a:t>3</a:t>
+            </a:fld>
+            <a:endParaRPr lang="de-DE"/>
+          </a:p>
+        </p:txBody>
+      </p:sp>
+    </p:spTree>
+    <p:extLst>
+      <p:ext uri="{BB962C8B-B14F-4D97-AF65-F5344CB8AC3E}">
+        <p14:creationId xmlns:p14="http://schemas.microsoft.com/office/powerpoint/2010/main" val="1826879880"/>
+      </p:ext>
+    </p:extLst>
+  </p:cSld>
+  <p:clrMapOvr>
+    <a:masterClrMapping/>
+  </p:clrMapOvr>
+</p:notes>
+</file>
+
+<file path=ppt/notesSlides/notesSlide2.xml><?xml version="1.0" encoding="utf-8"?>
+<p:notes xmlns:a="http://schemas.openxmlformats.org/drawingml/2006/main" xmlns:r="http://schemas.openxmlformats.org/officeDocument/2006/relationships" xmlns:p="http://schemas.openxmlformats.org/presentationml/2006/main">
+  <p:cSld>
+    <p:spTree>
+      <p:nvGrpSpPr>
+        <p:cNvPr id="1" name=""/>
+        <p:cNvGrpSpPr/>
+        <p:nvPr/>
+      </p:nvGrpSpPr>
+      <p:grpSpPr>
+        <a:xfrm>
+          <a:off x="0" y="0"/>
+          <a:ext cx="0" cy="0"/>
+          <a:chOff x="0" y="0"/>
+          <a:chExt cx="0" cy="0"/>
+        </a:xfrm>
+      </p:grpSpPr>
+      <p:sp>
+        <p:nvSpPr>
+          <p:cNvPr id="2" name="Folienbildplatzhalter 1"/>
+          <p:cNvSpPr>
+            <a:spLocks noGrp="1" noRot="1" noChangeAspect="1"/>
+          </p:cNvSpPr>
+          <p:nvPr>
+            <p:ph type="sldImg"/>
+          </p:nvPr>
+        </p:nvSpPr>
+        <p:spPr/>
+      </p:sp>
+      <p:sp>
+        <p:nvSpPr>
+          <p:cNvPr id="3" name="Notizenplatzhalter 2"/>
+          <p:cNvSpPr>
+            <a:spLocks noGrp="1"/>
+          </p:cNvSpPr>
+          <p:nvPr>
+            <p:ph type="body" idx="1"/>
+          </p:nvPr>
+        </p:nvSpPr>
+        <p:spPr/>
+        <p:txBody>
+          <a:bodyPr/>
+          <a:lstStyle/>
+          <a:p>
+            <a:endParaRPr lang="de-DE" dirty="0"/>
+          </a:p>
+        </p:txBody>
+      </p:sp>
+      <p:sp>
+        <p:nvSpPr>
+          <p:cNvPr id="4" name="Foliennummernplatzhalter 3"/>
+          <p:cNvSpPr>
+            <a:spLocks noGrp="1"/>
+          </p:cNvSpPr>
+          <p:nvPr>
+            <p:ph type="sldNum" sz="quarter" idx="10"/>
+          </p:nvPr>
+        </p:nvSpPr>
+        <p:spPr/>
+        <p:txBody>
+          <a:bodyPr/>
+          <a:lstStyle/>
+          <a:p>
+            <a:fld id="{AF743280-84BF-40D8-9479-FD67F7021383}" type="slidenum">
+              <a:rPr lang="de-DE" smtClean="0"/>
+              <a:t>13</a:t>
+            </a:fld>
+            <a:endParaRPr lang="de-DE"/>
+          </a:p>
+        </p:txBody>
+      </p:sp>
+    </p:spTree>
+    <p:extLst>
+      <p:ext uri="{BB962C8B-B14F-4D97-AF65-F5344CB8AC3E}">
+        <p14:creationId xmlns:p14="http://schemas.microsoft.com/office/powerpoint/2010/main" val="481863125"/>
+      </p:ext>
+    </p:extLst>
+  </p:cSld>
+  <p:clrMapOvr>
+    <a:masterClrMapping/>
+  </p:clrMapOvr>
+</p:notes>
 </file>
 
 <file path=ppt/slideLayouts/slideLayout1.xml><?xml version="1.0" encoding="utf-8"?>
@@ -5007,6 +5529,113 @@
       </p:grpSpPr>
       <p:sp>
         <p:nvSpPr>
+          <p:cNvPr id="3" name="Inhaltsplatzhalter 2"/>
+          <p:cNvSpPr>
+            <a:spLocks noGrp="1"/>
+          </p:cNvSpPr>
+          <p:nvPr>
+            <p:ph idx="1"/>
+          </p:nvPr>
+        </p:nvSpPr>
+        <p:spPr/>
+        <p:txBody>
+          <a:bodyPr/>
+          <a:lstStyle/>
+          <a:p>
+            <a:r>
+              <a:rPr lang="de-DE" dirty="0" smtClean="0"/>
+              <a:t>Verwendetes Pattern</a:t>
+            </a:r>
+          </a:p>
+          <a:p>
+            <a:pPr lvl="1"/>
+            <a:r>
+              <a:rPr lang="de-DE" dirty="0" smtClean="0"/>
+              <a:t>MVC Pattern</a:t>
+            </a:r>
+            <a:br>
+              <a:rPr lang="de-DE" dirty="0" smtClean="0"/>
+            </a:br>
+            <a:endParaRPr lang="de-DE" dirty="0" smtClean="0"/>
+          </a:p>
+          <a:p>
+            <a:r>
+              <a:rPr lang="de-DE" dirty="0" smtClean="0"/>
+              <a:t>Resultierende </a:t>
+            </a:r>
+            <a:r>
+              <a:rPr lang="de-DE" dirty="0" err="1" smtClean="0"/>
+              <a:t>Metriken</a:t>
+            </a:r>
+            <a:r>
+              <a:rPr lang="de-DE" dirty="0" smtClean="0"/>
+              <a:t> durch angewandtes Pattern zufriedenstellend</a:t>
+            </a:r>
+          </a:p>
+        </p:txBody>
+      </p:sp>
+      <p:sp>
+        <p:nvSpPr>
+          <p:cNvPr id="2" name="Titel 1"/>
+          <p:cNvSpPr>
+            <a:spLocks noGrp="1"/>
+          </p:cNvSpPr>
+          <p:nvPr>
+            <p:ph type="title"/>
+          </p:nvPr>
+        </p:nvSpPr>
+        <p:spPr/>
+        <p:txBody>
+          <a:bodyPr/>
+          <a:lstStyle/>
+          <a:p>
+            <a:r>
+              <a:rPr lang="de-DE" dirty="0" smtClean="0"/>
+              <a:t>Qualität</a:t>
+            </a:r>
+            <a:endParaRPr lang="de-DE" dirty="0"/>
+          </a:p>
+        </p:txBody>
+      </p:sp>
+    </p:spTree>
+    <p:extLst>
+      <p:ext uri="{BB962C8B-B14F-4D97-AF65-F5344CB8AC3E}">
+        <p14:creationId xmlns:p14="http://schemas.microsoft.com/office/powerpoint/2010/main" val="1121672356"/>
+      </p:ext>
+    </p:extLst>
+  </p:cSld>
+  <p:clrMapOvr>
+    <a:masterClrMapping/>
+  </p:clrMapOvr>
+  <p:timing>
+    <p:tnLst>
+      <p:par>
+        <p:cTn id="1" dur="indefinite" restart="never" nodeType="tmRoot"/>
+      </p:par>
+    </p:tnLst>
+  </p:timing>
+</p:sld>
+</file>
+
+<file path=ppt/slides/slide11.xml><?xml version="1.0" encoding="utf-8"?>
+<p:sld xmlns:a="http://schemas.openxmlformats.org/drawingml/2006/main" xmlns:r="http://schemas.openxmlformats.org/officeDocument/2006/relationships" xmlns:p="http://schemas.openxmlformats.org/presentationml/2006/main">
+  <p:cSld>
+    <p:spTree>
+      <p:nvGrpSpPr>
+        <p:cNvPr id="1" name=""/>
+        <p:cNvGrpSpPr/>
+        <p:nvPr/>
+      </p:nvGrpSpPr>
+      <p:grpSpPr>
+        <a:xfrm>
+          <a:off x="0" y="0"/>
+          <a:ext cx="0" cy="0"/>
+          <a:chOff x="0" y="0"/>
+          <a:chExt cx="0" cy="0"/>
+        </a:xfrm>
+      </p:grpSpPr>
+      <p:sp>
+        <p:nvSpPr>
           <p:cNvPr id="2" name="Titel 1"/>
           <p:cNvSpPr>
             <a:spLocks noGrp="1"/>
@@ -5089,92 +5718,6 @@
 </p:sld>
 </file>
 
-<file path=ppt/slides/slide11.xml><?xml version="1.0" encoding="utf-8"?>
-<p:sld xmlns:a="http://schemas.openxmlformats.org/drawingml/2006/main" xmlns:r="http://schemas.openxmlformats.org/officeDocument/2006/relationships" xmlns:p="http://schemas.openxmlformats.org/presentationml/2006/main">
-  <p:cSld>
-    <p:spTree>
-      <p:nvGrpSpPr>
-        <p:cNvPr id="1" name=""/>
-        <p:cNvGrpSpPr/>
-        <p:nvPr/>
-      </p:nvGrpSpPr>
-      <p:grpSpPr>
-        <a:xfrm>
-          <a:off x="0" y="0"/>
-          <a:ext cx="0" cy="0"/>
-          <a:chOff x="0" y="0"/>
-          <a:chExt cx="0" cy="0"/>
-        </a:xfrm>
-      </p:grpSpPr>
-      <p:sp>
-        <p:nvSpPr>
-          <p:cNvPr id="2" name="Titel 1"/>
-          <p:cNvSpPr>
-            <a:spLocks noGrp="1"/>
-          </p:cNvSpPr>
-          <p:nvPr>
-            <p:ph type="title"/>
-          </p:nvPr>
-        </p:nvSpPr>
-        <p:spPr/>
-        <p:txBody>
-          <a:bodyPr/>
-          <a:lstStyle/>
-          <a:p>
-            <a:r>
-              <a:rPr lang="de-DE" dirty="0" err="1" smtClean="0"/>
-              <a:t>Function</a:t>
-            </a:r>
-            <a:r>
-              <a:rPr lang="de-DE" dirty="0" smtClean="0"/>
-              <a:t> Points</a:t>
-            </a:r>
-            <a:endParaRPr lang="de-DE" dirty="0"/>
-          </a:p>
-        </p:txBody>
-      </p:sp>
-      <p:graphicFrame>
-        <p:nvGraphicFramePr>
-          <p:cNvPr id="4" name="Diagramm 3"/>
-          <p:cNvGraphicFramePr/>
-          <p:nvPr>
-            <p:extLst>
-              <p:ext uri="{D42A27DB-BD31-4B8C-83A1-F6EECF244321}">
-                <p14:modId xmlns:p14="http://schemas.microsoft.com/office/powerpoint/2010/main" val="3789537536"/>
-              </p:ext>
-            </p:extLst>
-          </p:nvPr>
-        </p:nvGraphicFramePr>
-        <p:xfrm>
-          <a:off x="539552" y="1412776"/>
-          <a:ext cx="8280920" cy="4968552"/>
-        </p:xfrm>
-        <a:graphic>
-          <a:graphicData uri="http://schemas.openxmlformats.org/drawingml/2006/chart">
-            <c:chart xmlns:c="http://schemas.openxmlformats.org/drawingml/2006/chart" xmlns:r="http://schemas.openxmlformats.org/officeDocument/2006/relationships" r:id="rId2"/>
-          </a:graphicData>
-        </a:graphic>
-      </p:graphicFrame>
-    </p:spTree>
-    <p:extLst>
-      <p:ext uri="{BB962C8B-B14F-4D97-AF65-F5344CB8AC3E}">
-        <p14:creationId xmlns:p14="http://schemas.microsoft.com/office/powerpoint/2010/main" val="3952921135"/>
-      </p:ext>
-    </p:extLst>
-  </p:cSld>
-  <p:clrMapOvr>
-    <a:masterClrMapping/>
-  </p:clrMapOvr>
-  <p:timing>
-    <p:tnLst>
-      <p:par>
-        <p:cTn id="1" dur="indefinite" restart="never" nodeType="tmRoot"/>
-      </p:par>
-    </p:tnLst>
-  </p:timing>
-</p:sld>
-</file>
-
 <file path=ppt/slides/slide12.xml><?xml version="1.0" encoding="utf-8"?>
 <p:sld xmlns:a="http://schemas.openxmlformats.org/drawingml/2006/main" xmlns:r="http://schemas.openxmlformats.org/officeDocument/2006/relationships" xmlns:p="http://schemas.openxmlformats.org/presentationml/2006/main">
   <p:cSld>
@@ -5194,12 +5737,12 @@
       </p:grpSpPr>
       <p:sp>
         <p:nvSpPr>
-          <p:cNvPr id="3" name="Inhaltsplatzhalter 2"/>
-          <p:cNvSpPr>
-            <a:spLocks noGrp="1"/>
-          </p:cNvSpPr>
-          <p:nvPr>
-            <p:ph idx="1"/>
+          <p:cNvPr id="2" name="Titel 1"/>
+          <p:cNvSpPr>
+            <a:spLocks noGrp="1"/>
+          </p:cNvSpPr>
+          <p:nvPr>
+            <p:ph type="title"/>
           </p:nvPr>
         </p:nvSpPr>
         <p:spPr/>
@@ -5208,89 +5751,43 @@
           <a:lstStyle/>
           <a:p>
             <a:r>
-              <a:rPr lang="de-DE" dirty="0" smtClean="0"/>
-              <a:t>Projektmanagement</a:t>
-            </a:r>
-          </a:p>
-          <a:p>
-            <a:pPr lvl="1"/>
-            <a:r>
-              <a:rPr lang="de-DE" dirty="0" smtClean="0"/>
-              <a:t>Falsches Managementtool</a:t>
-            </a:r>
-          </a:p>
-          <a:p>
-            <a:pPr lvl="2"/>
-            <a:r>
-              <a:rPr lang="de-DE" dirty="0" smtClean="0"/>
-              <a:t>Tool war nicht für RUP geeignet</a:t>
-            </a:r>
-          </a:p>
-          <a:p>
-            <a:pPr lvl="2"/>
-            <a:r>
-              <a:rPr lang="de-DE" dirty="0" smtClean="0"/>
-              <a:t>Tool war nicht intuitiv</a:t>
-            </a:r>
-            <a:br>
-              <a:rPr lang="de-DE" dirty="0" smtClean="0"/>
-            </a:br>
-            <a:endParaRPr lang="de-DE" dirty="0" smtClean="0"/>
-          </a:p>
-          <a:p>
-            <a:pPr lvl="1"/>
-            <a:r>
-              <a:rPr lang="de-DE" dirty="0" smtClean="0"/>
-              <a:t>Umgang mit dem Tool</a:t>
-            </a:r>
-          </a:p>
-          <a:p>
-            <a:pPr lvl="2"/>
-            <a:r>
-              <a:rPr lang="de-DE" dirty="0" smtClean="0"/>
-              <a:t>kein Erfahrung</a:t>
-            </a:r>
-          </a:p>
-          <a:p>
-            <a:pPr lvl="2"/>
-            <a:r>
-              <a:rPr lang="de-DE" dirty="0" smtClean="0"/>
-              <a:t>Nutzen geringer als Aufwand</a:t>
-            </a:r>
-          </a:p>
-          <a:p>
-            <a:pPr lvl="2"/>
-            <a:endParaRPr lang="de-DE" dirty="0" smtClean="0"/>
-          </a:p>
-        </p:txBody>
-      </p:sp>
-      <p:sp>
-        <p:nvSpPr>
-          <p:cNvPr id="2" name="Titel 1"/>
-          <p:cNvSpPr>
-            <a:spLocks noGrp="1"/>
-          </p:cNvSpPr>
-          <p:nvPr>
-            <p:ph type="title"/>
-          </p:nvPr>
-        </p:nvSpPr>
-        <p:spPr/>
-        <p:txBody>
-          <a:bodyPr/>
-          <a:lstStyle/>
-          <a:p>
-            <a:r>
-              <a:rPr lang="de-DE" dirty="0" smtClean="0"/>
-              <a:t>Ursachen Analyse</a:t>
+              <a:rPr lang="de-DE" dirty="0" err="1" smtClean="0"/>
+              <a:t>Function</a:t>
+            </a:r>
+            <a:r>
+              <a:rPr lang="de-DE" dirty="0" smtClean="0"/>
+              <a:t> Points</a:t>
             </a:r>
             <a:endParaRPr lang="de-DE" dirty="0"/>
           </a:p>
         </p:txBody>
       </p:sp>
+      <p:graphicFrame>
+        <p:nvGraphicFramePr>
+          <p:cNvPr id="4" name="Diagramm 3"/>
+          <p:cNvGraphicFramePr/>
+          <p:nvPr>
+            <p:extLst>
+              <p:ext uri="{D42A27DB-BD31-4B8C-83A1-F6EECF244321}">
+                <p14:modId xmlns:p14="http://schemas.microsoft.com/office/powerpoint/2010/main" val="3789537536"/>
+              </p:ext>
+            </p:extLst>
+          </p:nvPr>
+        </p:nvGraphicFramePr>
+        <p:xfrm>
+          <a:off x="539552" y="1412776"/>
+          <a:ext cx="8280920" cy="4968552"/>
+        </p:xfrm>
+        <a:graphic>
+          <a:graphicData uri="http://schemas.openxmlformats.org/drawingml/2006/chart">
+            <c:chart xmlns:c="http://schemas.openxmlformats.org/drawingml/2006/chart" xmlns:r="http://schemas.openxmlformats.org/officeDocument/2006/relationships" r:id="rId2"/>
+          </a:graphicData>
+        </a:graphic>
+      </p:graphicFrame>
     </p:spTree>
     <p:extLst>
       <p:ext uri="{BB962C8B-B14F-4D97-AF65-F5344CB8AC3E}">
-        <p14:creationId xmlns:p14="http://schemas.microsoft.com/office/powerpoint/2010/main" val="794016836"/>
+        <p14:creationId xmlns:p14="http://schemas.microsoft.com/office/powerpoint/2010/main" val="3952921135"/>
       </p:ext>
     </p:extLst>
   </p:cSld>
@@ -5341,35 +5838,61 @@
           <a:p>
             <a:r>
               <a:rPr lang="de-DE" dirty="0" smtClean="0"/>
-              <a:t>Development </a:t>
-            </a:r>
-            <a:r>
-              <a:rPr lang="de-DE" dirty="0" err="1" smtClean="0"/>
-              <a:t>Process</a:t>
-            </a:r>
-            <a:endParaRPr lang="de-DE" dirty="0"/>
+              <a:t>Projektmanagement</a:t>
+            </a:r>
+            <a:br>
+              <a:rPr lang="de-DE" dirty="0" smtClean="0"/>
+            </a:br>
+            <a:endParaRPr lang="de-DE" dirty="0" smtClean="0"/>
           </a:p>
           <a:p>
             <a:pPr lvl="1"/>
             <a:r>
               <a:rPr lang="de-DE" dirty="0" smtClean="0"/>
-              <a:t>Große Komplexität da Unerfahrenheit mit der Technologie</a:t>
-            </a:r>
+              <a:t>Falsches Managementtool</a:t>
+            </a:r>
+          </a:p>
+          <a:p>
+            <a:pPr lvl="2"/>
+            <a:r>
+              <a:rPr lang="de-DE" dirty="0" smtClean="0"/>
+              <a:t>Tool war nicht für RUP geeignet</a:t>
+            </a:r>
+          </a:p>
+          <a:p>
+            <a:pPr lvl="2"/>
+            <a:r>
+              <a:rPr lang="de-DE" dirty="0" smtClean="0"/>
+              <a:t>Tool war nicht intuitiv</a:t>
+            </a:r>
+            <a:br>
+              <a:rPr lang="de-DE" dirty="0" smtClean="0"/>
+            </a:br>
+            <a:endParaRPr lang="de-DE" dirty="0" smtClean="0"/>
           </a:p>
           <a:p>
             <a:pPr lvl="1"/>
             <a:r>
               <a:rPr lang="de-DE" dirty="0" smtClean="0"/>
-              <a:t>Nicht einsteigerfreundliche Doku der </a:t>
-            </a:r>
-            <a:r>
-              <a:rPr lang="de-DE" dirty="0" err="1" smtClean="0"/>
-              <a:t>API´s</a:t>
-            </a:r>
-            <a:endParaRPr lang="de-DE" dirty="0" smtClean="0"/>
-          </a:p>
-          <a:p>
-            <a:pPr lvl="1"/>
+              <a:t>Umgang mit dem Tool</a:t>
+            </a:r>
+          </a:p>
+          <a:p>
+            <a:pPr lvl="2"/>
+            <a:r>
+              <a:rPr lang="de-DE" dirty="0" smtClean="0"/>
+              <a:t>kein Erfahrung</a:t>
+            </a:r>
+          </a:p>
+          <a:p>
+            <a:pPr lvl="2"/>
+            <a:r>
+              <a:rPr lang="de-DE" dirty="0" smtClean="0"/>
+              <a:t>Nutzen geringer als Aufwand</a:t>
+            </a:r>
+          </a:p>
+          <a:p>
+            <a:pPr lvl="2"/>
             <a:endParaRPr lang="de-DE" dirty="0" smtClean="0"/>
           </a:p>
         </p:txBody>
@@ -5400,7 +5923,7 @@
     </p:spTree>
     <p:extLst>
       <p:ext uri="{BB962C8B-B14F-4D97-AF65-F5344CB8AC3E}">
-        <p14:creationId xmlns:p14="http://schemas.microsoft.com/office/powerpoint/2010/main" val="789458100"/>
+        <p14:creationId xmlns:p14="http://schemas.microsoft.com/office/powerpoint/2010/main" val="794016836"/>
       </p:ext>
     </p:extLst>
   </p:cSld>
@@ -5450,45 +5973,52 @@
           <a:lstStyle/>
           <a:p>
             <a:r>
+              <a:rPr lang="de-DE" dirty="0" smtClean="0"/>
+              <a:t>Development </a:t>
+            </a:r>
+            <a:r>
               <a:rPr lang="de-DE" dirty="0" err="1" smtClean="0"/>
-              <a:t>Projectplan</a:t>
-            </a:r>
-            <a:r>
-              <a:rPr lang="de-DE" dirty="0" smtClean="0"/>
-              <a:t>:</a:t>
-            </a:r>
+              <a:t>Process</a:t>
+            </a:r>
+            <a:r>
+              <a:rPr lang="de-DE" dirty="0" smtClean="0"/>
+              <a:t/>
+            </a:r>
+            <a:br>
+              <a:rPr lang="de-DE" dirty="0" smtClean="0"/>
+            </a:br>
+            <a:endParaRPr lang="de-DE" dirty="0"/>
           </a:p>
           <a:p>
             <a:pPr lvl="1"/>
             <a:r>
               <a:rPr lang="de-DE" dirty="0" smtClean="0"/>
-              <a:t>keine Erfahrung mit Projektplanung</a:t>
+              <a:t>Große Komplexität da Unerfahrenheit mit der </a:t>
+            </a:r>
+            <a:r>
+              <a:rPr lang="de-DE" dirty="0" smtClean="0"/>
+              <a:t>Technologie</a:t>
             </a:r>
             <a:br>
               <a:rPr lang="de-DE" dirty="0" smtClean="0"/>
             </a:br>
-            <a:r>
-              <a:rPr lang="de-DE" dirty="0" smtClean="0"/>
-              <a:t>-&gt; Überschätzung</a:t>
-            </a:r>
+            <a:endParaRPr lang="de-DE" dirty="0" smtClean="0"/>
           </a:p>
           <a:p>
             <a:pPr lvl="1"/>
             <a:r>
               <a:rPr lang="de-DE" dirty="0" smtClean="0"/>
-              <a:t>Planungsunsicherheit durch Universitätsalltag</a:t>
-            </a:r>
+              <a:t>Nicht einsteigerfreundliche Doku der </a:t>
+            </a:r>
+            <a:r>
+              <a:rPr lang="de-DE" dirty="0" err="1" smtClean="0"/>
+              <a:t>API´s</a:t>
+            </a:r>
+            <a:endParaRPr lang="de-DE" dirty="0" smtClean="0"/>
           </a:p>
           <a:p>
             <a:pPr lvl="1"/>
-            <a:r>
-              <a:rPr lang="de-DE" dirty="0" smtClean="0"/>
-              <a:t>keine volle Verfügungsgewalt über unsere Zeit</a:t>
-            </a:r>
-          </a:p>
-          <a:p>
-            <a:pPr lvl="1"/>
-            <a:endParaRPr lang="de-DE" dirty="0"/>
+            <a:endParaRPr lang="de-DE" dirty="0" smtClean="0"/>
           </a:p>
         </p:txBody>
       </p:sp>
@@ -5509,11 +6039,7 @@
           <a:p>
             <a:r>
               <a:rPr lang="de-DE" dirty="0" smtClean="0"/>
-              <a:t>Project </a:t>
-            </a:r>
-            <a:r>
-              <a:rPr lang="de-DE" dirty="0" err="1" smtClean="0"/>
-              <a:t>Estimation</a:t>
+              <a:t>Ursachen Analyse</a:t>
             </a:r>
             <a:endParaRPr lang="de-DE" dirty="0"/>
           </a:p>
@@ -5522,7 +6048,7 @@
     </p:spTree>
     <p:extLst>
       <p:ext uri="{BB962C8B-B14F-4D97-AF65-F5344CB8AC3E}">
-        <p14:creationId xmlns:p14="http://schemas.microsoft.com/office/powerpoint/2010/main" val="1907373330"/>
+        <p14:creationId xmlns:p14="http://schemas.microsoft.com/office/powerpoint/2010/main" val="789458100"/>
       </p:ext>
     </p:extLst>
   </p:cSld>
@@ -5572,19 +6098,40 @@
           <a:lstStyle/>
           <a:p>
             <a:r>
-              <a:rPr lang="de-DE" dirty="0" err="1" smtClean="0"/>
-              <a:t>Risk</a:t>
-            </a:r>
-            <a:r>
-              <a:rPr lang="de-DE" dirty="0" smtClean="0"/>
-              <a:t> Management:</a:t>
-            </a:r>
+              <a:rPr lang="de-DE" dirty="0" smtClean="0"/>
+              <a:t>Projektplan:</a:t>
+            </a:r>
+            <a:br>
+              <a:rPr lang="de-DE" dirty="0" smtClean="0"/>
+            </a:br>
+            <a:endParaRPr lang="de-DE" dirty="0" smtClean="0"/>
           </a:p>
           <a:p>
             <a:pPr lvl="1"/>
             <a:r>
               <a:rPr lang="de-DE" dirty="0" smtClean="0"/>
-              <a:t>Bei den identifizierten Risiken waren die gefundenen Gegenmaßnahmen nicht durchführbar</a:t>
+              <a:t>keine Erfahrung mit Projektplanung</a:t>
+            </a:r>
+            <a:br>
+              <a:rPr lang="de-DE" dirty="0" smtClean="0"/>
+            </a:br>
+            <a:r>
+              <a:rPr lang="de-DE" dirty="0" smtClean="0"/>
+              <a:t>-&gt; Überschätzung</a:t>
+            </a:r>
+          </a:p>
+          <a:p>
+            <a:pPr lvl="1"/>
+            <a:r>
+              <a:rPr lang="de-DE" dirty="0" smtClean="0"/>
+              <a:t>Planungsunsicherheit durch Universitätsalltag</a:t>
+            </a:r>
+          </a:p>
+          <a:p>
+            <a:pPr lvl="1"/>
+            <a:r>
+              <a:rPr lang="de-DE" dirty="0" smtClean="0"/>
+              <a:t>keine volle Verfügungsgewalt über unsere Zeit</a:t>
             </a:r>
           </a:p>
           <a:p>
@@ -5623,7 +6170,7 @@
     </p:spTree>
     <p:extLst>
       <p:ext uri="{BB962C8B-B14F-4D97-AF65-F5344CB8AC3E}">
-        <p14:creationId xmlns:p14="http://schemas.microsoft.com/office/powerpoint/2010/main" val="1963487328"/>
+        <p14:creationId xmlns:p14="http://schemas.microsoft.com/office/powerpoint/2010/main" val="1907373330"/>
       </p:ext>
     </p:extLst>
   </p:cSld>
@@ -5673,45 +6220,32 @@
           <a:lstStyle/>
           <a:p>
             <a:r>
-              <a:rPr lang="de-DE" dirty="0" smtClean="0"/>
-              <a:t>Änderungen bei zukünftiger Realisierung:</a:t>
-            </a:r>
+              <a:rPr lang="de-DE" dirty="0" err="1" smtClean="0"/>
+              <a:t>Risk</a:t>
+            </a:r>
+            <a:r>
+              <a:rPr lang="de-DE" dirty="0" smtClean="0"/>
+              <a:t> Management</a:t>
+            </a:r>
+            <a:r>
+              <a:rPr lang="de-DE" dirty="0" smtClean="0"/>
+              <a:t>:</a:t>
+            </a:r>
+            <a:br>
+              <a:rPr lang="de-DE" dirty="0" smtClean="0"/>
+            </a:br>
+            <a:endParaRPr lang="de-DE" dirty="0" smtClean="0"/>
           </a:p>
           <a:p>
             <a:pPr lvl="1"/>
             <a:r>
               <a:rPr lang="de-DE" dirty="0" smtClean="0"/>
-              <a:t>Komplexität der </a:t>
-            </a:r>
-            <a:r>
-              <a:rPr lang="de-DE" dirty="0" err="1" smtClean="0"/>
-              <a:t>UseCases</a:t>
-            </a:r>
-            <a:r>
-              <a:rPr lang="de-DE" dirty="0" smtClean="0"/>
-              <a:t> würde zunehmen</a:t>
+              <a:t>Bei den identifizierten Risiken waren die gefundenen Gegenmaßnahmen nicht durchführbar</a:t>
             </a:r>
           </a:p>
           <a:p>
             <a:pPr lvl="1"/>
-            <a:r>
-              <a:rPr lang="de-DE" dirty="0" smtClean="0"/>
-              <a:t>detailliertere Zeitplanung</a:t>
-            </a:r>
-          </a:p>
-          <a:p>
-            <a:pPr lvl="1"/>
-            <a:r>
-              <a:rPr lang="de-DE" dirty="0" smtClean="0"/>
-              <a:t>Priorisierung des Projektes</a:t>
-            </a:r>
-          </a:p>
-          <a:p>
-            <a:pPr lvl="1"/>
-            <a:r>
-              <a:rPr lang="de-DE" dirty="0" smtClean="0"/>
-              <a:t>Veränderte Komplexität des Projektes</a:t>
-            </a:r>
+            <a:endParaRPr lang="de-DE" dirty="0"/>
           </a:p>
         </p:txBody>
       </p:sp>
@@ -5745,7 +6279,7 @@
     </p:spTree>
     <p:extLst>
       <p:ext uri="{BB962C8B-B14F-4D97-AF65-F5344CB8AC3E}">
-        <p14:creationId xmlns:p14="http://schemas.microsoft.com/office/powerpoint/2010/main" val="2568578980"/>
+        <p14:creationId xmlns:p14="http://schemas.microsoft.com/office/powerpoint/2010/main" val="1963487328"/>
       </p:ext>
     </p:extLst>
   </p:cSld>
@@ -5791,6 +6325,136 @@
         </p:nvSpPr>
         <p:spPr/>
         <p:txBody>
+          <a:bodyPr/>
+          <a:lstStyle/>
+          <a:p>
+            <a:r>
+              <a:rPr lang="de-DE" dirty="0" smtClean="0"/>
+              <a:t>Änderungen bei zukünftiger Realisierung</a:t>
+            </a:r>
+            <a:r>
+              <a:rPr lang="de-DE" dirty="0" smtClean="0"/>
+              <a:t>:</a:t>
+            </a:r>
+            <a:br>
+              <a:rPr lang="de-DE" dirty="0" smtClean="0"/>
+            </a:br>
+            <a:endParaRPr lang="de-DE" dirty="0" smtClean="0"/>
+          </a:p>
+          <a:p>
+            <a:pPr lvl="1"/>
+            <a:r>
+              <a:rPr lang="de-DE" dirty="0" smtClean="0"/>
+              <a:t>Komplexität der </a:t>
+            </a:r>
+            <a:r>
+              <a:rPr lang="de-DE" dirty="0" err="1" smtClean="0"/>
+              <a:t>UseCases</a:t>
+            </a:r>
+            <a:r>
+              <a:rPr lang="de-DE" dirty="0" smtClean="0"/>
+              <a:t> würde zunehmen</a:t>
+            </a:r>
+          </a:p>
+          <a:p>
+            <a:pPr lvl="1"/>
+            <a:r>
+              <a:rPr lang="de-DE" dirty="0" smtClean="0"/>
+              <a:t>detailliertere Zeitplanung</a:t>
+            </a:r>
+          </a:p>
+          <a:p>
+            <a:pPr lvl="1"/>
+            <a:r>
+              <a:rPr lang="de-DE" dirty="0" smtClean="0"/>
+              <a:t>Priorisierung des Projektes</a:t>
+            </a:r>
+          </a:p>
+          <a:p>
+            <a:pPr lvl="1"/>
+            <a:r>
+              <a:rPr lang="de-DE" dirty="0" smtClean="0"/>
+              <a:t>Veränderte Komplexität des Projektes</a:t>
+            </a:r>
+          </a:p>
+        </p:txBody>
+      </p:sp>
+      <p:sp>
+        <p:nvSpPr>
+          <p:cNvPr id="2" name="Titel 1"/>
+          <p:cNvSpPr>
+            <a:spLocks noGrp="1"/>
+          </p:cNvSpPr>
+          <p:nvPr>
+            <p:ph type="title"/>
+          </p:nvPr>
+        </p:nvSpPr>
+        <p:spPr/>
+        <p:txBody>
+          <a:bodyPr/>
+          <a:lstStyle/>
+          <a:p>
+            <a:r>
+              <a:rPr lang="de-DE" dirty="0" smtClean="0"/>
+              <a:t>Project </a:t>
+            </a:r>
+            <a:r>
+              <a:rPr lang="de-DE" dirty="0" err="1" smtClean="0"/>
+              <a:t>Estimation</a:t>
+            </a:r>
+            <a:endParaRPr lang="de-DE" dirty="0"/>
+          </a:p>
+        </p:txBody>
+      </p:sp>
+    </p:spTree>
+    <p:extLst>
+      <p:ext uri="{BB962C8B-B14F-4D97-AF65-F5344CB8AC3E}">
+        <p14:creationId xmlns:p14="http://schemas.microsoft.com/office/powerpoint/2010/main" val="2568578980"/>
+      </p:ext>
+    </p:extLst>
+  </p:cSld>
+  <p:clrMapOvr>
+    <a:masterClrMapping/>
+  </p:clrMapOvr>
+  <p:timing>
+    <p:tnLst>
+      <p:par>
+        <p:cTn id="1" dur="indefinite" restart="never" nodeType="tmRoot"/>
+      </p:par>
+    </p:tnLst>
+  </p:timing>
+</p:sld>
+</file>
+
+<file path=ppt/slides/slide18.xml><?xml version="1.0" encoding="utf-8"?>
+<p:sld xmlns:a="http://schemas.openxmlformats.org/drawingml/2006/main" xmlns:r="http://schemas.openxmlformats.org/officeDocument/2006/relationships" xmlns:p="http://schemas.openxmlformats.org/presentationml/2006/main">
+  <p:cSld>
+    <p:spTree>
+      <p:nvGrpSpPr>
+        <p:cNvPr id="1" name=""/>
+        <p:cNvGrpSpPr/>
+        <p:nvPr/>
+      </p:nvGrpSpPr>
+      <p:grpSpPr>
+        <a:xfrm>
+          <a:off x="0" y="0"/>
+          <a:ext cx="0" cy="0"/>
+          <a:chOff x="0" y="0"/>
+          <a:chExt cx="0" cy="0"/>
+        </a:xfrm>
+      </p:grpSpPr>
+      <p:sp>
+        <p:nvSpPr>
+          <p:cNvPr id="3" name="Inhaltsplatzhalter 2"/>
+          <p:cNvSpPr>
+            <a:spLocks noGrp="1"/>
+          </p:cNvSpPr>
+          <p:nvPr>
+            <p:ph idx="1"/>
+          </p:nvPr>
+        </p:nvSpPr>
+        <p:spPr/>
+        <p:txBody>
           <a:bodyPr>
             <a:normAutofit/>
           </a:bodyPr>
@@ -5798,8 +6462,15 @@
           <a:p>
             <a:r>
               <a:rPr lang="de-DE" dirty="0" smtClean="0"/>
-              <a:t>Zeitlicher Aufwand bei zukünftiger Realisierung:</a:t>
-            </a:r>
+              <a:t>Zeitlicher Aufwand bei zukünftiger Realisierung</a:t>
+            </a:r>
+            <a:r>
+              <a:rPr lang="de-DE" dirty="0" smtClean="0"/>
+              <a:t>:</a:t>
+            </a:r>
+            <a:br>
+              <a:rPr lang="de-DE" dirty="0" smtClean="0"/>
+            </a:br>
             <a:endParaRPr lang="de-DE" dirty="0"/>
           </a:p>
           <a:p>
@@ -5906,7 +6577,7 @@
 </p:sld>
 </file>
 
-<file path=ppt/slides/slide18.xml><?xml version="1.0" encoding="utf-8"?>
+<file path=ppt/slides/slide19.xml><?xml version="1.0" encoding="utf-8"?>
 <p:sld xmlns:a="http://schemas.openxmlformats.org/drawingml/2006/main" xmlns:r="http://schemas.openxmlformats.org/officeDocument/2006/relationships" xmlns:p="http://schemas.openxmlformats.org/presentationml/2006/main">
   <p:cSld>
     <p:spTree>
@@ -6307,7 +6978,6 @@
               <a:rPr lang="de-DE" dirty="0" smtClean="0"/>
               <a:t>Verwaltung des Kühlschrankinhalts</a:t>
             </a:r>
-            <a:endParaRPr lang="de-DE" dirty="0" smtClean="0"/>
           </a:p>
           <a:p>
             <a:pPr lvl="1"/>
@@ -7300,50 +7970,6 @@
             </a:br>
             <a:endParaRPr lang="de-DE" dirty="0" smtClean="0"/>
           </a:p>
-          <a:p>
-            <a:pPr marL="514350" indent="-457200"/>
-            <a:r>
-              <a:rPr lang="de-DE" dirty="0" smtClean="0"/>
-              <a:t>Entwicklungsumgebung</a:t>
-            </a:r>
-          </a:p>
-          <a:p>
-            <a:pPr marL="914400" lvl="1" indent="-457200"/>
-            <a:r>
-              <a:rPr lang="de-DE" dirty="0" err="1" smtClean="0"/>
-              <a:t>Eclipse</a:t>
-            </a:r>
-            <a:r>
-              <a:rPr lang="de-DE" dirty="0" smtClean="0"/>
-              <a:t> </a:t>
-            </a:r>
-            <a:r>
-              <a:rPr lang="de-DE" dirty="0" err="1" smtClean="0"/>
-              <a:t>Android</a:t>
-            </a:r>
-            <a:r>
-              <a:rPr lang="de-DE" dirty="0" smtClean="0"/>
-              <a:t> SDK</a:t>
-            </a:r>
-            <a:br>
-              <a:rPr lang="de-DE" dirty="0" smtClean="0"/>
-            </a:br>
-            <a:endParaRPr lang="de-DE" dirty="0" smtClean="0"/>
-          </a:p>
-          <a:p>
-            <a:pPr marL="514350" indent="-457200"/>
-            <a:r>
-              <a:rPr lang="de-DE" dirty="0" smtClean="0"/>
-              <a:t>Project Management Tool</a:t>
-            </a:r>
-          </a:p>
-          <a:p>
-            <a:pPr marL="971550" lvl="1" indent="-514350"/>
-            <a:r>
-              <a:rPr lang="de-DE" dirty="0" smtClean="0"/>
-              <a:t>MS Project</a:t>
-            </a:r>
-          </a:p>
         </p:txBody>
       </p:sp>
       <p:sp>
@@ -7416,19 +8042,35 @@
             <p:ph idx="1"/>
           </p:nvPr>
         </p:nvSpPr>
-        <p:spPr>
-          <a:xfrm>
-            <a:off x="539552" y="1556792"/>
-            <a:ext cx="8229600" cy="4525963"/>
-          </a:xfrm>
-        </p:spPr>
+        <p:spPr/>
         <p:txBody>
           <a:bodyPr/>
           <a:lstStyle/>
           <a:p>
-            <a:r>
-              <a:rPr lang="de-DE" dirty="0" smtClean="0"/>
-              <a:t>aktueller Stand des Projektes</a:t>
+            <a:pPr marL="514350" indent="-457200"/>
+            <a:r>
+              <a:rPr lang="de-DE" dirty="0" smtClean="0"/>
+              <a:t>Entwicklungsumgebung</a:t>
+            </a:r>
+            <a:endParaRPr lang="de-DE" dirty="0" smtClean="0"/>
+          </a:p>
+          <a:p>
+            <a:pPr marL="914400" lvl="1" indent="-457200"/>
+            <a:r>
+              <a:rPr lang="de-DE" dirty="0" err="1" smtClean="0"/>
+              <a:t>Eclipse</a:t>
+            </a:r>
+            <a:r>
+              <a:rPr lang="de-DE" dirty="0" smtClean="0"/>
+              <a:t> </a:t>
+            </a:r>
+            <a:r>
+              <a:rPr lang="de-DE" dirty="0" err="1" smtClean="0"/>
+              <a:t>Android</a:t>
+            </a:r>
+            <a:r>
+              <a:rPr lang="de-DE" dirty="0" smtClean="0"/>
+              <a:t> SDK</a:t>
             </a:r>
             <a:br>
               <a:rPr lang="de-DE" dirty="0" smtClean="0"/>
@@ -7436,45 +8078,18 @@
             <a:endParaRPr lang="de-DE" dirty="0" smtClean="0"/>
           </a:p>
           <a:p>
-            <a:r>
-              <a:rPr lang="de-DE" dirty="0" smtClean="0"/>
-              <a:t>Dokumentation und Projektplan komplett</a:t>
-            </a:r>
-            <a:br>
-              <a:rPr lang="de-DE" dirty="0" smtClean="0"/>
-            </a:br>
-            <a:endParaRPr lang="de-DE" dirty="0" smtClean="0"/>
-          </a:p>
-          <a:p>
-            <a:r>
-              <a:rPr lang="de-DE" dirty="0" smtClean="0"/>
-              <a:t>6 von 14 </a:t>
-            </a:r>
-            <a:r>
-              <a:rPr lang="de-DE" dirty="0" err="1" smtClean="0"/>
-              <a:t>UseCases</a:t>
-            </a:r>
-            <a:r>
-              <a:rPr lang="de-DE" dirty="0" smtClean="0"/>
-              <a:t> implementiert</a:t>
-            </a:r>
-            <a:br>
-              <a:rPr lang="de-DE" dirty="0" smtClean="0"/>
-            </a:br>
-            <a:endParaRPr lang="de-DE" dirty="0" smtClean="0"/>
-          </a:p>
-          <a:p>
-            <a:r>
-              <a:rPr lang="de-DE" dirty="0" smtClean="0"/>
-              <a:t>Fertigstellung unwahrscheinlich</a:t>
-            </a:r>
-            <a:br>
-              <a:rPr lang="de-DE" dirty="0" smtClean="0"/>
-            </a:br>
-            <a:endParaRPr lang="de-DE" dirty="0" smtClean="0"/>
-          </a:p>
-          <a:p>
-            <a:endParaRPr lang="de-DE" dirty="0"/>
+            <a:pPr marL="514350" indent="-457200"/>
+            <a:r>
+              <a:rPr lang="de-DE" dirty="0" smtClean="0"/>
+              <a:t>Project Management Tool</a:t>
+            </a:r>
+          </a:p>
+          <a:p>
+            <a:pPr marL="971550" lvl="1" indent="-514350"/>
+            <a:r>
+              <a:rPr lang="de-DE" dirty="0" smtClean="0"/>
+              <a:t>MS Project</a:t>
+            </a:r>
           </a:p>
         </p:txBody>
       </p:sp>
@@ -7495,7 +8110,7 @@
           <a:p>
             <a:r>
               <a:rPr lang="de-DE" dirty="0" smtClean="0"/>
-              <a:t>Derzeitiger Stand</a:t>
+              <a:t>Verwendete Tools</a:t>
             </a:r>
             <a:endParaRPr lang="de-DE" dirty="0"/>
           </a:p>
@@ -7504,7 +8119,7 @@
     </p:spTree>
     <p:extLst>
       <p:ext uri="{BB962C8B-B14F-4D97-AF65-F5344CB8AC3E}">
-        <p14:creationId xmlns:p14="http://schemas.microsoft.com/office/powerpoint/2010/main" val="2891157091"/>
+        <p14:creationId xmlns:p14="http://schemas.microsoft.com/office/powerpoint/2010/main" val="3793116867"/>
       </p:ext>
     </p:extLst>
   </p:cSld>
@@ -7548,21 +8163,19 @@
             <p:ph idx="1"/>
           </p:nvPr>
         </p:nvSpPr>
-        <p:spPr/>
+        <p:spPr>
+          <a:xfrm>
+            <a:off x="539552" y="1556792"/>
+            <a:ext cx="8229600" cy="4525963"/>
+          </a:xfrm>
+        </p:spPr>
         <p:txBody>
           <a:bodyPr/>
           <a:lstStyle/>
           <a:p>
             <a:r>
               <a:rPr lang="de-DE" dirty="0" smtClean="0"/>
-              <a:t>Verwendetes Pattern</a:t>
-            </a:r>
-          </a:p>
-          <a:p>
-            <a:pPr lvl="1"/>
-            <a:r>
-              <a:rPr lang="de-DE" dirty="0" smtClean="0"/>
-              <a:t>MVC Pattern</a:t>
+              <a:t>aktueller Stand des Projektes</a:t>
             </a:r>
             <a:br>
               <a:rPr lang="de-DE" dirty="0" smtClean="0"/>
@@ -7572,16 +8185,43 @@
           <a:p>
             <a:r>
               <a:rPr lang="de-DE" dirty="0" smtClean="0"/>
-              <a:t>Resultierende </a:t>
+              <a:t>Dokumentation und Projektplan komplett</a:t>
+            </a:r>
+            <a:br>
+              <a:rPr lang="de-DE" dirty="0" smtClean="0"/>
+            </a:br>
+            <a:endParaRPr lang="de-DE" dirty="0" smtClean="0"/>
+          </a:p>
+          <a:p>
+            <a:r>
+              <a:rPr lang="de-DE" dirty="0" smtClean="0"/>
+              <a:t>6 von 14 </a:t>
             </a:r>
             <a:r>
               <a:rPr lang="de-DE" dirty="0" err="1" smtClean="0"/>
-              <a:t>Metriken</a:t>
-            </a:r>
-            <a:r>
-              <a:rPr lang="de-DE" dirty="0" smtClean="0"/>
-              <a:t> durch angewandtes Pattern zufriedenstellend</a:t>
-            </a:r>
+              <a:t>UseCases</a:t>
+            </a:r>
+            <a:r>
+              <a:rPr lang="de-DE" dirty="0" smtClean="0"/>
+              <a:t> implementiert</a:t>
+            </a:r>
+            <a:br>
+              <a:rPr lang="de-DE" dirty="0" smtClean="0"/>
+            </a:br>
+            <a:endParaRPr lang="de-DE" dirty="0" smtClean="0"/>
+          </a:p>
+          <a:p>
+            <a:r>
+              <a:rPr lang="de-DE" dirty="0" smtClean="0"/>
+              <a:t>Fertigstellung unwahrscheinlich</a:t>
+            </a:r>
+            <a:br>
+              <a:rPr lang="de-DE" dirty="0" smtClean="0"/>
+            </a:br>
+            <a:endParaRPr lang="de-DE" dirty="0" smtClean="0"/>
+          </a:p>
+          <a:p>
+            <a:endParaRPr lang="de-DE" dirty="0"/>
           </a:p>
         </p:txBody>
       </p:sp>
@@ -7602,7 +8242,7 @@
           <a:p>
             <a:r>
               <a:rPr lang="de-DE" dirty="0" smtClean="0"/>
-              <a:t>Qualität</a:t>
+              <a:t>Derzeitiger Stand</a:t>
             </a:r>
             <a:endParaRPr lang="de-DE" dirty="0"/>
           </a:p>
@@ -7611,7 +8251,7 @@
     </p:spTree>
     <p:extLst>
       <p:ext uri="{BB962C8B-B14F-4D97-AF65-F5344CB8AC3E}">
-        <p14:creationId xmlns:p14="http://schemas.microsoft.com/office/powerpoint/2010/main" val="1121672356"/>
+        <p14:creationId xmlns:p14="http://schemas.microsoft.com/office/powerpoint/2010/main" val="2891157091"/>
       </p:ext>
     </p:extLst>
   </p:cSld>
@@ -7913,4 +8553,289 @@
   <a:objectDefaults/>
   <a:extraClrSchemeLst/>
 </a:theme>
+</file>
+
+<file path=ppt/theme/theme2.xml><?xml version="1.0" encoding="utf-8"?>
+<a:theme xmlns:a="http://schemas.openxmlformats.org/drawingml/2006/main" name="Larissa">
+  <a:themeElements>
+    <a:clrScheme name="Larissa">
+      <a:dk1>
+        <a:sysClr val="windowText" lastClr="000000"/>
+      </a:dk1>
+      <a:lt1>
+        <a:sysClr val="window" lastClr="FFFFFF"/>
+      </a:lt1>
+      <a:dk2>
+        <a:srgbClr val="1F497D"/>
+      </a:dk2>
+      <a:lt2>
+        <a:srgbClr val="EEECE1"/>
+      </a:lt2>
+      <a:accent1>
+        <a:srgbClr val="4F81BD"/>
+      </a:accent1>
+      <a:accent2>
+        <a:srgbClr val="C0504D"/>
+      </a:accent2>
+      <a:accent3>
+        <a:srgbClr val="9BBB59"/>
+      </a:accent3>
+      <a:accent4>
+        <a:srgbClr val="8064A2"/>
+      </a:accent4>
+      <a:accent5>
+        <a:srgbClr val="4BACC6"/>
+      </a:accent5>
+      <a:accent6>
+        <a:srgbClr val="F79646"/>
+      </a:accent6>
+      <a:hlink>
+        <a:srgbClr val="0000FF"/>
+      </a:hlink>
+      <a:folHlink>
+        <a:srgbClr val="800080"/>
+      </a:folHlink>
+    </a:clrScheme>
+    <a:fontScheme name="Larissa">
+      <a:majorFont>
+        <a:latin typeface="Calibri"/>
+        <a:ea typeface=""/>
+        <a:cs typeface=""/>
+        <a:font script="Jpan" typeface="ＭＳ Ｐゴシック"/>
+        <a:font script="Hang" typeface="맑은 고딕"/>
+        <a:font script="Hans" typeface="宋体"/>
+        <a:font script="Hant" typeface="新細明體"/>
+        <a:font script="Arab" typeface="Times New Roman"/>
+        <a:font script="Hebr" typeface="Times New Roman"/>
+        <a:font script="Thai" typeface="Angsana New"/>
+        <a:font script="Ethi" typeface="Nyala"/>
+        <a:font script="Beng" typeface="Vrinda"/>
+        <a:font script="Gujr" typeface="Shruti"/>
+        <a:font script="Khmr" typeface="MoolBoran"/>
+        <a:font script="Knda" typeface="Tunga"/>
+        <a:font script="Guru" typeface="Raavi"/>
+        <a:font script="Cans" typeface="Euphemia"/>
+        <a:font script="Cher" typeface="Plantagenet Cherokee"/>
+        <a:font script="Yiii" typeface="Microsoft Yi Baiti"/>
+        <a:font script="Tibt" typeface="Microsoft Himalaya"/>
+        <a:font script="Thaa" typeface="MV Boli"/>
+        <a:font script="Deva" typeface="Mangal"/>
+        <a:font script="Telu" typeface="Gautami"/>
+        <a:font script="Taml" typeface="Latha"/>
+        <a:font script="Syrc" typeface="Estrangelo Edessa"/>
+        <a:font script="Orya" typeface="Kalinga"/>
+        <a:font script="Mlym" typeface="Kartika"/>
+        <a:font script="Laoo" typeface="DokChampa"/>
+        <a:font script="Sinh" typeface="Iskoola Pota"/>
+        <a:font script="Mong" typeface="Mongolian Baiti"/>
+        <a:font script="Viet" typeface="Times New Roman"/>
+        <a:font script="Uigh" typeface="Microsoft Uighur"/>
+        <a:font script="Geor" typeface="Sylfaen"/>
+      </a:majorFont>
+      <a:minorFont>
+        <a:latin typeface="Calibri"/>
+        <a:ea typeface=""/>
+        <a:cs typeface=""/>
+        <a:font script="Jpan" typeface="ＭＳ Ｐゴシック"/>
+        <a:font script="Hang" typeface="맑은 고딕"/>
+        <a:font script="Hans" typeface="宋体"/>
+        <a:font script="Hant" typeface="新細明體"/>
+        <a:font script="Arab" typeface="Arial"/>
+        <a:font script="Hebr" typeface="Arial"/>
+        <a:font script="Thai" typeface="Cordia New"/>
+        <a:font script="Ethi" typeface="Nyala"/>
+        <a:font script="Beng" typeface="Vrinda"/>
+        <a:font script="Gujr" typeface="Shruti"/>
+        <a:font script="Khmr" typeface="DaunPenh"/>
+        <a:font script="Knda" typeface="Tunga"/>
+        <a:font script="Guru" typeface="Raavi"/>
+        <a:font script="Cans" typeface="Euphemia"/>
+        <a:font script="Cher" typeface="Plantagenet Cherokee"/>
+        <a:font script="Yiii" typeface="Microsoft Yi Baiti"/>
+        <a:font script="Tibt" typeface="Microsoft Himalaya"/>
+        <a:font script="Thaa" typeface="MV Boli"/>
+        <a:font script="Deva" typeface="Mangal"/>
+        <a:font script="Telu" typeface="Gautami"/>
+        <a:font script="Taml" typeface="Latha"/>
+        <a:font script="Syrc" typeface="Estrangelo Edessa"/>
+        <a:font script="Orya" typeface="Kalinga"/>
+        <a:font script="Mlym" typeface="Kartika"/>
+        <a:font script="Laoo" typeface="DokChampa"/>
+        <a:font script="Sinh" typeface="Iskoola Pota"/>
+        <a:font script="Mong" typeface="Mongolian Baiti"/>
+        <a:font script="Viet" typeface="Arial"/>
+        <a:font script="Uigh" typeface="Microsoft Uighur"/>
+        <a:font script="Geor" typeface="Sylfaen"/>
+      </a:minorFont>
+    </a:fontScheme>
+    <a:fmtScheme name="Larissa">
+      <a:fillStyleLst>
+        <a:solidFill>
+          <a:schemeClr val="phClr"/>
+        </a:solidFill>
+        <a:gradFill rotWithShape="1">
+          <a:gsLst>
+            <a:gs pos="0">
+              <a:schemeClr val="phClr">
+                <a:tint val="50000"/>
+                <a:satMod val="300000"/>
+              </a:schemeClr>
+            </a:gs>
+            <a:gs pos="35000">
+              <a:schemeClr val="phClr">
+                <a:tint val="37000"/>
+                <a:satMod val="300000"/>
+              </a:schemeClr>
+            </a:gs>
+            <a:gs pos="100000">
+              <a:schemeClr val="phClr">
+                <a:tint val="15000"/>
+                <a:satMod val="350000"/>
+              </a:schemeClr>
+            </a:gs>
+          </a:gsLst>
+          <a:lin ang="16200000" scaled="1"/>
+        </a:gradFill>
+        <a:gradFill rotWithShape="1">
+          <a:gsLst>
+            <a:gs pos="0">
+              <a:schemeClr val="phClr">
+                <a:shade val="51000"/>
+                <a:satMod val="130000"/>
+              </a:schemeClr>
+            </a:gs>
+            <a:gs pos="80000">
+              <a:schemeClr val="phClr">
+                <a:shade val="93000"/>
+                <a:satMod val="130000"/>
+              </a:schemeClr>
+            </a:gs>
+            <a:gs pos="100000">
+              <a:schemeClr val="phClr">
+                <a:shade val="94000"/>
+                <a:satMod val="135000"/>
+              </a:schemeClr>
+            </a:gs>
+          </a:gsLst>
+          <a:lin ang="16200000" scaled="0"/>
+        </a:gradFill>
+      </a:fillStyleLst>
+      <a:lnStyleLst>
+        <a:ln w="9525" cap="flat" cmpd="sng" algn="ctr">
+          <a:solidFill>
+            <a:schemeClr val="phClr">
+              <a:shade val="95000"/>
+              <a:satMod val="105000"/>
+            </a:schemeClr>
+          </a:solidFill>
+          <a:prstDash val="solid"/>
+        </a:ln>
+        <a:ln w="25400" cap="flat" cmpd="sng" algn="ctr">
+          <a:solidFill>
+            <a:schemeClr val="phClr"/>
+          </a:solidFill>
+          <a:prstDash val="solid"/>
+        </a:ln>
+        <a:ln w="38100" cap="flat" cmpd="sng" algn="ctr">
+          <a:solidFill>
+            <a:schemeClr val="phClr"/>
+          </a:solidFill>
+          <a:prstDash val="solid"/>
+        </a:ln>
+      </a:lnStyleLst>
+      <a:effectStyleLst>
+        <a:effectStyle>
+          <a:effectLst>
+            <a:outerShdw blurRad="40000" dist="20000" dir="5400000" rotWithShape="0">
+              <a:srgbClr val="000000">
+                <a:alpha val="38000"/>
+              </a:srgbClr>
+            </a:outerShdw>
+          </a:effectLst>
+        </a:effectStyle>
+        <a:effectStyle>
+          <a:effectLst>
+            <a:outerShdw blurRad="40000" dist="23000" dir="5400000" rotWithShape="0">
+              <a:srgbClr val="000000">
+                <a:alpha val="35000"/>
+              </a:srgbClr>
+            </a:outerShdw>
+          </a:effectLst>
+        </a:effectStyle>
+        <a:effectStyle>
+          <a:effectLst>
+            <a:outerShdw blurRad="40000" dist="23000" dir="5400000" rotWithShape="0">
+              <a:srgbClr val="000000">
+                <a:alpha val="35000"/>
+              </a:srgbClr>
+            </a:outerShdw>
+          </a:effectLst>
+          <a:scene3d>
+            <a:camera prst="orthographicFront">
+              <a:rot lat="0" lon="0" rev="0"/>
+            </a:camera>
+            <a:lightRig rig="threePt" dir="t">
+              <a:rot lat="0" lon="0" rev="1200000"/>
+            </a:lightRig>
+          </a:scene3d>
+          <a:sp3d>
+            <a:bevelT w="63500" h="25400"/>
+          </a:sp3d>
+        </a:effectStyle>
+      </a:effectStyleLst>
+      <a:bgFillStyleLst>
+        <a:solidFill>
+          <a:schemeClr val="phClr"/>
+        </a:solidFill>
+        <a:gradFill rotWithShape="1">
+          <a:gsLst>
+            <a:gs pos="0">
+              <a:schemeClr val="phClr">
+                <a:tint val="40000"/>
+                <a:satMod val="350000"/>
+              </a:schemeClr>
+            </a:gs>
+            <a:gs pos="40000">
+              <a:schemeClr val="phClr">
+                <a:tint val="45000"/>
+                <a:shade val="99000"/>
+                <a:satMod val="350000"/>
+              </a:schemeClr>
+            </a:gs>
+            <a:gs pos="100000">
+              <a:schemeClr val="phClr">
+                <a:shade val="20000"/>
+                <a:satMod val="255000"/>
+              </a:schemeClr>
+            </a:gs>
+          </a:gsLst>
+          <a:path path="circle">
+            <a:fillToRect l="50000" t="-80000" r="50000" b="180000"/>
+          </a:path>
+        </a:gradFill>
+        <a:gradFill rotWithShape="1">
+          <a:gsLst>
+            <a:gs pos="0">
+              <a:schemeClr val="phClr">
+                <a:tint val="80000"/>
+                <a:satMod val="300000"/>
+              </a:schemeClr>
+            </a:gs>
+            <a:gs pos="100000">
+              <a:schemeClr val="phClr">
+                <a:shade val="30000"/>
+                <a:satMod val="200000"/>
+              </a:schemeClr>
+            </a:gs>
+          </a:gsLst>
+          <a:path path="circle">
+            <a:fillToRect l="50000" t="50000" r="50000" b="50000"/>
+          </a:path>
+        </a:gradFill>
+      </a:bgFillStyleLst>
+    </a:fmtScheme>
+  </a:themeElements>
+  <a:objectDefaults/>
+  <a:extraClrSchemeLst/>
+</a:theme>
 </file>
--- a/Präsentation/Projekt_Präsentation.pptx
+++ b/Präsentation/Projekt_Präsentation.pptx
@@ -218,11 +218,11 @@
           <c:showPercent val="0"/>
           <c:showBubbleSize val="0"/>
         </c:dLbls>
-        <c:axId val="116237056"/>
-        <c:axId val="163089792"/>
+        <c:axId val="66554496"/>
+        <c:axId val="66654208"/>
       </c:scatterChart>
       <c:valAx>
-        <c:axId val="116237056"/>
+        <c:axId val="66554496"/>
         <c:scaling>
           <c:orientation val="minMax"/>
         </c:scaling>
@@ -253,12 +253,12 @@
         <c:majorTickMark val="out"/>
         <c:minorTickMark val="none"/>
         <c:tickLblPos val="nextTo"/>
-        <c:crossAx val="163089792"/>
+        <c:crossAx val="66654208"/>
         <c:crosses val="autoZero"/>
         <c:crossBetween val="midCat"/>
       </c:valAx>
       <c:valAx>
-        <c:axId val="163089792"/>
+        <c:axId val="66654208"/>
         <c:scaling>
           <c:orientation val="minMax"/>
         </c:scaling>
@@ -289,7 +289,7 @@
         <c:majorTickMark val="out"/>
         <c:minorTickMark val="none"/>
         <c:tickLblPos val="nextTo"/>
-        <c:crossAx val="116237056"/>
+        <c:crossAx val="66554496"/>
         <c:crosses val="autoZero"/>
         <c:crossBetween val="midCat"/>
       </c:valAx>
@@ -391,7 +391,7 @@
           <a:p>
             <a:fld id="{7455737A-E32F-49B9-9902-CAFFEC5758CD}" type="datetimeFigureOut">
               <a:rPr lang="de-DE" smtClean="0"/>
-              <a:t>18.06.2013</a:t>
+              <a:t>19.06.2013</a:t>
             </a:fld>
             <a:endParaRPr lang="de-DE"/>
           </a:p>
@@ -744,6 +744,98 @@
 </file>
 
 <file path=ppt/notesSlides/notesSlide2.xml><?xml version="1.0" encoding="utf-8"?>
+<p:notes xmlns:a="http://schemas.openxmlformats.org/drawingml/2006/main" xmlns:r="http://schemas.openxmlformats.org/officeDocument/2006/relationships" xmlns:p="http://schemas.openxmlformats.org/presentationml/2006/main">
+  <p:cSld>
+    <p:spTree>
+      <p:nvGrpSpPr>
+        <p:cNvPr id="1" name=""/>
+        <p:cNvGrpSpPr/>
+        <p:nvPr/>
+      </p:nvGrpSpPr>
+      <p:grpSpPr>
+        <a:xfrm>
+          <a:off x="0" y="0"/>
+          <a:ext cx="0" cy="0"/>
+          <a:chOff x="0" y="0"/>
+          <a:chExt cx="0" cy="0"/>
+        </a:xfrm>
+      </p:grpSpPr>
+      <p:sp>
+        <p:nvSpPr>
+          <p:cNvPr id="2" name="Folienbildplatzhalter 1"/>
+          <p:cNvSpPr>
+            <a:spLocks noGrp="1" noRot="1" noChangeAspect="1"/>
+          </p:cNvSpPr>
+          <p:nvPr>
+            <p:ph type="sldImg"/>
+          </p:nvPr>
+        </p:nvSpPr>
+        <p:spPr/>
+      </p:sp>
+      <p:sp>
+        <p:nvSpPr>
+          <p:cNvPr id="3" name="Notizenplatzhalter 2"/>
+          <p:cNvSpPr>
+            <a:spLocks noGrp="1"/>
+          </p:cNvSpPr>
+          <p:nvPr>
+            <p:ph type="body" idx="1"/>
+          </p:nvPr>
+        </p:nvSpPr>
+        <p:spPr/>
+        <p:txBody>
+          <a:bodyPr/>
+          <a:lstStyle/>
+          <a:p>
+            <a:r>
+              <a:rPr lang="de-DE" sz="1600" dirty="0" smtClean="0"/>
+              <a:t>Rest</a:t>
+            </a:r>
+            <a:r>
+              <a:rPr lang="de-DE" sz="1600" baseline="0" dirty="0" smtClean="0"/>
+              <a:t> nächste Folie</a:t>
+            </a:r>
+            <a:endParaRPr lang="de-DE" sz="1600" dirty="0"/>
+          </a:p>
+        </p:txBody>
+      </p:sp>
+      <p:sp>
+        <p:nvSpPr>
+          <p:cNvPr id="4" name="Foliennummernplatzhalter 3"/>
+          <p:cNvSpPr>
+            <a:spLocks noGrp="1"/>
+          </p:cNvSpPr>
+          <p:nvPr>
+            <p:ph type="sldNum" sz="quarter" idx="10"/>
+          </p:nvPr>
+        </p:nvSpPr>
+        <p:spPr/>
+        <p:txBody>
+          <a:bodyPr/>
+          <a:lstStyle/>
+          <a:p>
+            <a:fld id="{AF743280-84BF-40D8-9479-FD67F7021383}" type="slidenum">
+              <a:rPr lang="de-DE" smtClean="0"/>
+              <a:t>7</a:t>
+            </a:fld>
+            <a:endParaRPr lang="de-DE"/>
+          </a:p>
+        </p:txBody>
+      </p:sp>
+    </p:spTree>
+    <p:extLst>
+      <p:ext uri="{BB962C8B-B14F-4D97-AF65-F5344CB8AC3E}">
+        <p14:creationId xmlns:p14="http://schemas.microsoft.com/office/powerpoint/2010/main" val="4095028073"/>
+      </p:ext>
+    </p:extLst>
+  </p:cSld>
+  <p:clrMapOvr>
+    <a:masterClrMapping/>
+  </p:clrMapOvr>
+</p:notes>
+</file>
+
+<file path=ppt/notesSlides/notesSlide3.xml><?xml version="1.0" encoding="utf-8"?>
 <p:notes xmlns:a="http://schemas.openxmlformats.org/drawingml/2006/main" xmlns:r="http://schemas.openxmlformats.org/officeDocument/2006/relationships" xmlns:p="http://schemas.openxmlformats.org/presentationml/2006/main">
   <p:cSld>
     <p:spTree>
@@ -1452,7 +1544,7 @@
           <a:p>
             <a:fld id="{07AAE92E-141D-45FD-B4AD-8E0697E407D2}" type="datetimeFigureOut">
               <a:rPr lang="de-DE" smtClean="0"/>
-              <a:t>18.06.2013</a:t>
+              <a:t>19.06.2013</a:t>
             </a:fld>
             <a:endParaRPr lang="de-DE"/>
           </a:p>
@@ -1648,7 +1740,7 @@
           <a:p>
             <a:fld id="{07AAE92E-141D-45FD-B4AD-8E0697E407D2}" type="datetimeFigureOut">
               <a:rPr lang="de-DE" smtClean="0"/>
-              <a:t>18.06.2013</a:t>
+              <a:t>19.06.2013</a:t>
             </a:fld>
             <a:endParaRPr lang="de-DE"/>
           </a:p>
@@ -1833,7 +1925,7 @@
           <a:p>
             <a:fld id="{07AAE92E-141D-45FD-B4AD-8E0697E407D2}" type="datetimeFigureOut">
               <a:rPr lang="de-DE" smtClean="0"/>
-              <a:t>18.06.2013</a:t>
+              <a:t>19.06.2013</a:t>
             </a:fld>
             <a:endParaRPr lang="de-DE"/>
           </a:p>
@@ -1988,7 +2080,7 @@
           <a:p>
             <a:fld id="{07AAE92E-141D-45FD-B4AD-8E0697E407D2}" type="datetimeFigureOut">
               <a:rPr lang="de-DE" smtClean="0"/>
-              <a:t>18.06.2013</a:t>
+              <a:t>19.06.2013</a:t>
             </a:fld>
             <a:endParaRPr lang="de-DE"/>
           </a:p>
@@ -2355,7 +2447,7 @@
           <a:p>
             <a:fld id="{07AAE92E-141D-45FD-B4AD-8E0697E407D2}" type="datetimeFigureOut">
               <a:rPr lang="de-DE" smtClean="0"/>
-              <a:t>18.06.2013</a:t>
+              <a:t>19.06.2013</a:t>
             </a:fld>
             <a:endParaRPr lang="de-DE"/>
           </a:p>
@@ -2764,7 +2856,7 @@
           <a:p>
             <a:fld id="{07AAE92E-141D-45FD-B4AD-8E0697E407D2}" type="datetimeFigureOut">
               <a:rPr lang="de-DE" smtClean="0"/>
-              <a:t>18.06.2013</a:t>
+              <a:t>19.06.2013</a:t>
             </a:fld>
             <a:endParaRPr lang="de-DE"/>
           </a:p>
@@ -3210,7 +3302,7 @@
           <a:p>
             <a:fld id="{07AAE92E-141D-45FD-B4AD-8E0697E407D2}" type="datetimeFigureOut">
               <a:rPr lang="de-DE" smtClean="0"/>
-              <a:t>18.06.2013</a:t>
+              <a:t>19.06.2013</a:t>
             </a:fld>
             <a:endParaRPr lang="de-DE"/>
           </a:p>
@@ -3311,7 +3403,7 @@
           <a:p>
             <a:fld id="{07AAE92E-141D-45FD-B4AD-8E0697E407D2}" type="datetimeFigureOut">
               <a:rPr lang="de-DE" smtClean="0"/>
-              <a:t>18.06.2013</a:t>
+              <a:t>19.06.2013</a:t>
             </a:fld>
             <a:endParaRPr lang="de-DE"/>
           </a:p>
@@ -3432,7 +3524,7 @@
           <a:p>
             <a:fld id="{07AAE92E-141D-45FD-B4AD-8E0697E407D2}" type="datetimeFigureOut">
               <a:rPr lang="de-DE" smtClean="0"/>
-              <a:t>18.06.2013</a:t>
+              <a:t>19.06.2013</a:t>
             </a:fld>
             <a:endParaRPr lang="de-DE"/>
           </a:p>
@@ -3706,7 +3798,7 @@
           <a:p>
             <a:fld id="{07AAE92E-141D-45FD-B4AD-8E0697E407D2}" type="datetimeFigureOut">
               <a:rPr lang="de-DE" smtClean="0"/>
-              <a:t>18.06.2013</a:t>
+              <a:t>19.06.2013</a:t>
             </a:fld>
             <a:endParaRPr lang="de-DE"/>
           </a:p>
@@ -3911,7 +4003,7 @@
           <a:p>
             <a:fld id="{07AAE92E-141D-45FD-B4AD-8E0697E407D2}" type="datetimeFigureOut">
               <a:rPr lang="de-DE" smtClean="0"/>
-              <a:t>18.06.2013</a:t>
+              <a:t>19.06.2013</a:t>
             </a:fld>
             <a:endParaRPr lang="de-DE"/>
           </a:p>
@@ -5020,7 +5112,7 @@
           <a:p>
             <a:fld id="{07AAE92E-141D-45FD-B4AD-8E0697E407D2}" type="datetimeFigureOut">
               <a:rPr lang="de-DE" smtClean="0"/>
-              <a:t>18.06.2013</a:t>
+              <a:t>19.06.2013</a:t>
             </a:fld>
             <a:endParaRPr lang="de-DE"/>
           </a:p>
@@ -6117,21 +6209,35 @@
             </a:br>
             <a:r>
               <a:rPr lang="de-DE" dirty="0" smtClean="0"/>
-              <a:t>-&gt; Überschätzung</a:t>
-            </a:r>
+              <a:t>-&gt; </a:t>
+            </a:r>
+            <a:r>
+              <a:rPr lang="de-DE" dirty="0" smtClean="0"/>
+              <a:t>Überschätzung</a:t>
+            </a:r>
+            <a:endParaRPr lang="de-DE" dirty="0" smtClean="0"/>
           </a:p>
           <a:p>
             <a:pPr lvl="1"/>
             <a:r>
               <a:rPr lang="de-DE" dirty="0" smtClean="0"/>
-              <a:t>Planungsunsicherheit durch Universitätsalltag</a:t>
-            </a:r>
+              <a:t>Planungsunsicherheit durch </a:t>
+            </a:r>
+            <a:r>
+              <a:rPr lang="de-DE" dirty="0" smtClean="0"/>
+              <a:t>Universitätsalltag</a:t>
+            </a:r>
+            <a:endParaRPr lang="de-DE" dirty="0" smtClean="0"/>
           </a:p>
           <a:p>
             <a:pPr lvl="1"/>
             <a:r>
               <a:rPr lang="de-DE" dirty="0" smtClean="0"/>
-              <a:t>keine volle Verfügungsgewalt über unsere Zeit</a:t>
+              <a:t>keine </a:t>
+            </a:r>
+            <a:r>
+              <a:rPr lang="de-DE" dirty="0" smtClean="0"/>
+              <a:t>volle Verfügungsgewalt über unsere Zeit</a:t>
             </a:r>
           </a:p>
           <a:p>
@@ -6225,11 +6331,7 @@
             </a:r>
             <a:r>
               <a:rPr lang="de-DE" dirty="0" smtClean="0"/>
-              <a:t> Management</a:t>
-            </a:r>
-            <a:r>
-              <a:rPr lang="de-DE" dirty="0" smtClean="0"/>
-              <a:t>:</a:t>
+              <a:t> Management:</a:t>
             </a:r>
             <a:br>
               <a:rPr lang="de-DE" dirty="0" smtClean="0"/>
@@ -6330,11 +6432,7 @@
           <a:p>
             <a:r>
               <a:rPr lang="de-DE" dirty="0" smtClean="0"/>
-              <a:t>Änderungen bei zukünftiger Realisierung</a:t>
-            </a:r>
-            <a:r>
-              <a:rPr lang="de-DE" dirty="0" smtClean="0"/>
-              <a:t>:</a:t>
+              <a:t>Änderungen bei zukünftiger Realisierung:</a:t>
             </a:r>
             <a:br>
               <a:rPr lang="de-DE" dirty="0" smtClean="0"/>
@@ -6353,22 +6451,37 @@
             </a:r>
             <a:r>
               <a:rPr lang="de-DE" dirty="0" smtClean="0"/>
-              <a:t> würde zunehmen</a:t>
-            </a:r>
+              <a:t> würde </a:t>
+            </a:r>
+            <a:r>
+              <a:rPr lang="de-DE" dirty="0" smtClean="0"/>
+              <a:t>zunehmen</a:t>
+            </a:r>
+            <a:endParaRPr lang="de-DE" dirty="0" smtClean="0"/>
           </a:p>
           <a:p>
             <a:pPr lvl="1"/>
             <a:r>
               <a:rPr lang="de-DE" dirty="0" smtClean="0"/>
-              <a:t>detailliertere Zeitplanung</a:t>
-            </a:r>
+              <a:t>detailliertere </a:t>
+            </a:r>
+            <a:r>
+              <a:rPr lang="de-DE" dirty="0" smtClean="0"/>
+              <a:t>Zeitplanung</a:t>
+            </a:r>
+            <a:endParaRPr lang="de-DE" dirty="0" smtClean="0"/>
           </a:p>
           <a:p>
             <a:pPr lvl="1"/>
             <a:r>
               <a:rPr lang="de-DE" dirty="0" smtClean="0"/>
-              <a:t>Priorisierung des Projektes</a:t>
-            </a:r>
+              <a:t>Priorisierung des </a:t>
+            </a:r>
+            <a:r>
+              <a:rPr lang="de-DE" dirty="0" smtClean="0"/>
+              <a:t>Projektes</a:t>
+            </a:r>
+            <a:endParaRPr lang="de-DE" dirty="0" smtClean="0"/>
           </a:p>
           <a:p>
             <a:pPr lvl="1"/>
@@ -6456,17 +6569,13 @@
         <p:spPr/>
         <p:txBody>
           <a:bodyPr>
-            <a:normAutofit/>
+            <a:normAutofit lnSpcReduction="10000"/>
           </a:bodyPr>
           <a:lstStyle/>
           <a:p>
             <a:r>
               <a:rPr lang="de-DE" dirty="0" smtClean="0"/>
-              <a:t>Zeitlicher Aufwand bei zukünftiger Realisierung</a:t>
-            </a:r>
-            <a:r>
-              <a:rPr lang="de-DE" dirty="0" smtClean="0"/>
-              <a:t>:</a:t>
+              <a:t>Zeitlicher Aufwand bei zukünftiger Realisierung:</a:t>
             </a:r>
             <a:br>
               <a:rPr lang="de-DE" dirty="0" smtClean="0"/>
@@ -6484,8 +6593,16 @@
             </a:br>
             <a:r>
               <a:rPr lang="de-DE" dirty="0" smtClean="0"/>
-              <a:t>–&gt; geringerer zeitlicher Aufwand bei Realisierung</a:t>
-            </a:r>
+              <a:t>–&gt; geringerer zeitlicher Aufwand bei </a:t>
+            </a:r>
+            <a:r>
+              <a:rPr lang="de-DE" dirty="0" smtClean="0"/>
+              <a:t>Realisierung</a:t>
+            </a:r>
+            <a:br>
+              <a:rPr lang="de-DE" dirty="0" smtClean="0"/>
+            </a:br>
+            <a:endParaRPr lang="de-DE" dirty="0" smtClean="0"/>
           </a:p>
           <a:p>
             <a:pPr lvl="1"/>
@@ -6594,44 +6711,6 @@
           <a:chExt cx="0" cy="0"/>
         </a:xfrm>
       </p:grpSpPr>
-      <p:sp>
-        <p:nvSpPr>
-          <p:cNvPr id="3" name="Inhaltsplatzhalter 2"/>
-          <p:cNvSpPr>
-            <a:spLocks noGrp="1"/>
-          </p:cNvSpPr>
-          <p:nvPr>
-            <p:ph idx="1"/>
-          </p:nvPr>
-        </p:nvSpPr>
-        <p:spPr/>
-        <p:txBody>
-          <a:bodyPr/>
-          <a:lstStyle/>
-          <a:p>
-            <a:endParaRPr lang="de-DE" dirty="0"/>
-          </a:p>
-        </p:txBody>
-      </p:sp>
-      <p:sp>
-        <p:nvSpPr>
-          <p:cNvPr id="2" name="Titel 1"/>
-          <p:cNvSpPr>
-            <a:spLocks noGrp="1"/>
-          </p:cNvSpPr>
-          <p:nvPr>
-            <p:ph type="title"/>
-          </p:nvPr>
-        </p:nvSpPr>
-        <p:spPr/>
-        <p:txBody>
-          <a:bodyPr/>
-          <a:lstStyle/>
-          <a:p>
-            <a:endParaRPr lang="de-DE" dirty="0"/>
-          </a:p>
-        </p:txBody>
-      </p:sp>
       <p:sp>
         <p:nvSpPr>
           <p:cNvPr id="4" name="Rechteck 3"/>
@@ -8052,7 +8131,6 @@
               <a:rPr lang="de-DE" dirty="0" smtClean="0"/>
               <a:t>Entwicklungsumgebung</a:t>
             </a:r>
-            <a:endParaRPr lang="de-DE" dirty="0" smtClean="0"/>
           </a:p>
           <a:p>
             <a:pPr marL="914400" lvl="1" indent="-457200"/>

--- a/Präsentation/Projekt_Präsentation.pptx
+++ b/Präsentation/Projekt_Präsentation.pptx
@@ -6263,11 +6263,7 @@
           <a:p>
             <a:r>
               <a:rPr lang="de-DE" dirty="0" smtClean="0"/>
-              <a:t>Project </a:t>
-            </a:r>
-            <a:r>
-              <a:rPr lang="de-DE" dirty="0" err="1" smtClean="0"/>
-              <a:t>Estimation</a:t>
+              <a:t>Ursachen Analyse</a:t>
             </a:r>
             <a:endParaRPr lang="de-DE" dirty="0"/>
           </a:p>
@@ -6367,12 +6363,8 @@
           <a:lstStyle/>
           <a:p>
             <a:r>
-              <a:rPr lang="de-DE" dirty="0" smtClean="0"/>
-              <a:t>Project </a:t>
-            </a:r>
-            <a:r>
-              <a:rPr lang="de-DE" dirty="0" err="1" smtClean="0"/>
-              <a:t>Estimation</a:t>
+              <a:rPr lang="de-DE" smtClean="0"/>
+              <a:t>Ursachen Analyse</a:t>
             </a:r>
             <a:endParaRPr lang="de-DE" dirty="0"/>
           </a:p>
